--- a/I-Checkpoint/I-Checkpoint Presentation.pptx
+++ b/I-Checkpoint/I-Checkpoint Presentation.pptx
@@ -5,10 +5,10 @@
     <p:sldMasterId id="2147483648" r:id="rId1"/>
   </p:sldMasterIdLst>
   <p:notesMasterIdLst>
-    <p:notesMasterId r:id="rId13"/>
+    <p:notesMasterId r:id="rId14"/>
   </p:notesMasterIdLst>
   <p:handoutMasterIdLst>
-    <p:handoutMasterId r:id="rId14"/>
+    <p:handoutMasterId r:id="rId15"/>
   </p:handoutMasterIdLst>
   <p:sldIdLst>
     <p:sldId id="256" r:id="rId2"/>
@@ -18,10 +18,11 @@
     <p:sldId id="1098" r:id="rId6"/>
     <p:sldId id="1099" r:id="rId7"/>
     <p:sldId id="1100" r:id="rId8"/>
-    <p:sldId id="1101" r:id="rId9"/>
-    <p:sldId id="1102" r:id="rId10"/>
-    <p:sldId id="1103" r:id="rId11"/>
-    <p:sldId id="1104" r:id="rId12"/>
+    <p:sldId id="1105" r:id="rId9"/>
+    <p:sldId id="1101" r:id="rId10"/>
+    <p:sldId id="1102" r:id="rId11"/>
+    <p:sldId id="1103" r:id="rId12"/>
+    <p:sldId id="1104" r:id="rId13"/>
   </p:sldIdLst>
   <p:sldSz cx="9144000" cy="6858000" type="screen4x3"/>
   <p:notesSz cx="6858000" cy="9144000"/>
@@ -122,7 +123,7 @@
   </p:defaultTextStyle>
   <p:extLst>
     <p:ext uri="{EFAFB233-063F-42B5-8137-9DF3F51BA10A}">
-      <p15:sldGuideLst xmlns:p15="http://schemas.microsoft.com/office/powerpoint/2012/main" xmlns="">
+      <p15:sldGuideLst xmlns="" xmlns:p15="http://schemas.microsoft.com/office/powerpoint/2012/main">
         <p15:guide id="1" orient="horz" pos="2160">
           <p15:clr>
             <a:srgbClr val="A4A3A4"/>
@@ -222,7 +223,7 @@
             <a:fld id="{745C36E7-9E00-462E-80A3-32F2BE615C7A}" type="datetimeFigureOut">
               <a:rPr lang="en-US" smtClean="0"/>
               <a:pPr/>
-              <a:t>9/30/2016</a:t>
+              <a:t>10/5/2016</a:t>
             </a:fld>
             <a:endParaRPr lang="en-US"/>
           </a:p>
@@ -289,7 +290,7 @@
             <a:fld id="{C7B702CB-D988-47C5-8204-95032A6A7C26}" type="slidenum">
               <a:rPr lang="en-US" smtClean="0"/>
               <a:pPr/>
-              <a:t>‹nº›</a:t>
+              <a:t>‹#›</a:t>
             </a:fld>
             <a:endParaRPr lang="en-US"/>
           </a:p>
@@ -298,7 +299,7 @@
     </p:spTree>
     <p:extLst>
       <p:ext uri="{BB962C8B-B14F-4D97-AF65-F5344CB8AC3E}">
-        <p14:creationId xmlns:p14="http://schemas.microsoft.com/office/powerpoint/2010/main" xmlns="" val="642327091"/>
+        <p14:creationId xmlns:p14="http://schemas.microsoft.com/office/powerpoint/2010/main" val="642327091"/>
       </p:ext>
     </p:extLst>
   </p:cSld>
@@ -389,7 +390,7 @@
             <a:fld id="{01F3E309-ED8D-4193-99AF-E5EA90965E98}" type="datetimeFigureOut">
               <a:rPr lang="en-US" smtClean="0"/>
               <a:pPr/>
-              <a:t>9/30/2016</a:t>
+              <a:t>10/5/2016</a:t>
             </a:fld>
             <a:endParaRPr lang="en-US"/>
           </a:p>
@@ -551,7 +552,7 @@
             <a:fld id="{F535F173-C1DD-4975-94BF-5B9ED67F7674}" type="slidenum">
               <a:rPr lang="en-US" smtClean="0"/>
               <a:pPr/>
-              <a:t>‹nº›</a:t>
+              <a:t>‹#›</a:t>
             </a:fld>
             <a:endParaRPr lang="en-US"/>
           </a:p>
@@ -560,7 +561,7 @@
     </p:spTree>
     <p:extLst>
       <p:ext uri="{BB962C8B-B14F-4D97-AF65-F5344CB8AC3E}">
-        <p14:creationId xmlns:p14="http://schemas.microsoft.com/office/powerpoint/2010/main" xmlns="" val="929916762"/>
+        <p14:creationId xmlns:p14="http://schemas.microsoft.com/office/powerpoint/2010/main" val="929916762"/>
       </p:ext>
     </p:extLst>
   </p:cSld>
@@ -735,7 +736,7 @@
     </p:spTree>
     <p:extLst>
       <p:ext uri="{BB962C8B-B14F-4D97-AF65-F5344CB8AC3E}">
-        <p14:creationId xmlns:p14="http://schemas.microsoft.com/office/powerpoint/2010/main" xmlns="" val="1355792998"/>
+        <p14:creationId xmlns:p14="http://schemas.microsoft.com/office/powerpoint/2010/main" val="1355792998"/>
       </p:ext>
     </p:extLst>
   </p:cSld>
@@ -820,7 +821,7 @@
     </p:spTree>
     <p:extLst>
       <p:ext uri="{BB962C8B-B14F-4D97-AF65-F5344CB8AC3E}">
-        <p14:creationId xmlns:p14="http://schemas.microsoft.com/office/powerpoint/2010/main" xmlns="" val="1355792998"/>
+        <p14:creationId xmlns:p14="http://schemas.microsoft.com/office/powerpoint/2010/main" val="1355792998"/>
       </p:ext>
     </p:extLst>
   </p:cSld>
@@ -905,7 +906,7 @@
     </p:spTree>
     <p:extLst>
       <p:ext uri="{BB962C8B-B14F-4D97-AF65-F5344CB8AC3E}">
-        <p14:creationId xmlns:p14="http://schemas.microsoft.com/office/powerpoint/2010/main" xmlns="" val="1355792998"/>
+        <p14:creationId xmlns:p14="http://schemas.microsoft.com/office/powerpoint/2010/main" val="1355792998"/>
       </p:ext>
     </p:extLst>
   </p:cSld>
@@ -981,7 +982,7 @@
             <a:fld id="{F535F173-C1DD-4975-94BF-5B9ED67F7674}" type="slidenum">
               <a:rPr lang="en-US" smtClean="0"/>
               <a:pPr/>
-              <a:t>9</a:t>
+              <a:t>8</a:t>
             </a:fld>
             <a:endParaRPr lang="en-US"/>
           </a:p>
@@ -990,7 +991,7 @@
     </p:spTree>
     <p:extLst>
       <p:ext uri="{BB962C8B-B14F-4D97-AF65-F5344CB8AC3E}">
-        <p14:creationId xmlns:p14="http://schemas.microsoft.com/office/powerpoint/2010/main" xmlns="" val="1355792998"/>
+        <p14:creationId xmlns:p14="http://schemas.microsoft.com/office/powerpoint/2010/main" val="1355792998"/>
       </p:ext>
     </p:extLst>
   </p:cSld>
@@ -1066,7 +1067,7 @@
             <a:fld id="{F535F173-C1DD-4975-94BF-5B9ED67F7674}" type="slidenum">
               <a:rPr lang="en-US" smtClean="0"/>
               <a:pPr/>
-              <a:t>11</a:t>
+              <a:t>10</a:t>
             </a:fld>
             <a:endParaRPr lang="en-US"/>
           </a:p>
@@ -1075,7 +1076,92 @@
     </p:spTree>
     <p:extLst>
       <p:ext uri="{BB962C8B-B14F-4D97-AF65-F5344CB8AC3E}">
-        <p14:creationId xmlns:p14="http://schemas.microsoft.com/office/powerpoint/2010/main" xmlns="" val="35205596"/>
+        <p14:creationId xmlns:p14="http://schemas.microsoft.com/office/powerpoint/2010/main" val="1355792998"/>
+      </p:ext>
+    </p:extLst>
+  </p:cSld>
+  <p:clrMapOvr>
+    <a:masterClrMapping/>
+  </p:clrMapOvr>
+</p:notes>
+</file>
+
+<file path=ppt/notesSlides/notesSlide6.xml><?xml version="1.0" encoding="utf-8"?>
+<p:notes xmlns:a="http://schemas.openxmlformats.org/drawingml/2006/main" xmlns:r="http://schemas.openxmlformats.org/officeDocument/2006/relationships" xmlns:p="http://schemas.openxmlformats.org/presentationml/2006/main">
+  <p:cSld>
+    <p:spTree>
+      <p:nvGrpSpPr>
+        <p:cNvPr id="1" name=""/>
+        <p:cNvGrpSpPr/>
+        <p:nvPr/>
+      </p:nvGrpSpPr>
+      <p:grpSpPr>
+        <a:xfrm>
+          <a:off x="0" y="0"/>
+          <a:ext cx="0" cy="0"/>
+          <a:chOff x="0" y="0"/>
+          <a:chExt cx="0" cy="0"/>
+        </a:xfrm>
+      </p:grpSpPr>
+      <p:sp>
+        <p:nvSpPr>
+          <p:cNvPr id="2" name="Slide Image Placeholder 1"/>
+          <p:cNvSpPr>
+            <a:spLocks noGrp="1" noRot="1" noChangeAspect="1"/>
+          </p:cNvSpPr>
+          <p:nvPr>
+            <p:ph type="sldImg"/>
+          </p:nvPr>
+        </p:nvSpPr>
+        <p:spPr/>
+      </p:sp>
+      <p:sp>
+        <p:nvSpPr>
+          <p:cNvPr id="3" name="Notes Placeholder 2"/>
+          <p:cNvSpPr>
+            <a:spLocks noGrp="1"/>
+          </p:cNvSpPr>
+          <p:nvPr>
+            <p:ph type="body" idx="1"/>
+          </p:nvPr>
+        </p:nvSpPr>
+        <p:spPr/>
+        <p:txBody>
+          <a:bodyPr/>
+          <a:lstStyle/>
+          <a:p>
+            <a:endParaRPr lang="en-US" baseline="0" dirty="0" smtClean="0"/>
+          </a:p>
+        </p:txBody>
+      </p:sp>
+      <p:sp>
+        <p:nvSpPr>
+          <p:cNvPr id="4" name="Slide Number Placeholder 3"/>
+          <p:cNvSpPr>
+            <a:spLocks noGrp="1"/>
+          </p:cNvSpPr>
+          <p:nvPr>
+            <p:ph type="sldNum" sz="quarter" idx="10"/>
+          </p:nvPr>
+        </p:nvSpPr>
+        <p:spPr/>
+        <p:txBody>
+          <a:bodyPr/>
+          <a:lstStyle/>
+          <a:p>
+            <a:fld id="{F535F173-C1DD-4975-94BF-5B9ED67F7674}" type="slidenum">
+              <a:rPr lang="en-US" smtClean="0"/>
+              <a:pPr/>
+              <a:t>12</a:t>
+            </a:fld>
+            <a:endParaRPr lang="en-US"/>
+          </a:p>
+        </p:txBody>
+      </p:sp>
+    </p:spTree>
+    <p:extLst>
+      <p:ext uri="{BB962C8B-B14F-4D97-AF65-F5344CB8AC3E}">
+        <p14:creationId xmlns:p14="http://schemas.microsoft.com/office/powerpoint/2010/main" val="35205596"/>
       </p:ext>
     </p:extLst>
   </p:cSld>
@@ -1577,7 +1663,7 @@
             <a:fld id="{F3CC9924-33BC-4796-B0F9-D37DB5D899BF}" type="datetimeFigureOut">
               <a:rPr lang="pt-PT" smtClean="0"/>
               <a:pPr/>
-              <a:t>30-09-2016</a:t>
+              <a:t>05-10-2016</a:t>
             </a:fld>
             <a:endParaRPr lang="pt-PT"/>
           </a:p>
@@ -1636,7 +1722,7 @@
             <a:fld id="{B5EBF8D4-C87A-47B7-9996-84452461937B}" type="slidenum">
               <a:rPr lang="pt-PT" smtClean="0"/>
               <a:pPr/>
-              <a:t>‹nº›</a:t>
+              <a:t>‹#›</a:t>
             </a:fld>
             <a:endParaRPr lang="pt-PT"/>
           </a:p>
@@ -3381,11 +3467,6 @@
               </a:rPr>
               <a:t>G8</a:t>
             </a:r>
-            <a:endParaRPr lang="pt-PT" sz="4600" dirty="0" smtClean="0">
-              <a:solidFill>
-                <a:schemeClr val="bg2"/>
-              </a:solidFill>
-            </a:endParaRPr>
           </a:p>
         </p:txBody>
       </p:sp>
@@ -3561,29 +3642,8 @@
                   <a:schemeClr val="bg2"/>
                 </a:solidFill>
               </a:rPr>
-              <a:t>70969 </a:t>
-            </a:r>
-            <a:r>
-              <a:rPr lang="pt-PT" sz="2400" b="0" dirty="0" smtClean="0">
-                <a:solidFill>
-                  <a:schemeClr val="bg2"/>
-                </a:solidFill>
-              </a:rPr>
-              <a:t>– </a:t>
-            </a:r>
-            <a:r>
-              <a:rPr lang="pt-PT" sz="2400" b="0" dirty="0" smtClean="0">
-                <a:solidFill>
-                  <a:schemeClr val="bg2"/>
-                </a:solidFill>
-              </a:rPr>
-              <a:t>Mário Reis</a:t>
-            </a:r>
-            <a:endParaRPr lang="pt-PT" sz="2400" b="0" dirty="0" smtClean="0">
-              <a:solidFill>
-                <a:schemeClr val="bg2"/>
-              </a:solidFill>
-            </a:endParaRPr>
+              <a:t>70969 – Mário Reis</a:t>
+            </a:r>
           </a:p>
           <a:p>
             <a:pPr algn="l"/>
@@ -3653,12 +3713,12 @@
       </p:grpSpPr>
       <p:sp>
         <p:nvSpPr>
-          <p:cNvPr id="6" name="Text Placeholder 5"/>
-          <p:cNvSpPr>
-            <a:spLocks noGrp="1"/>
-          </p:cNvSpPr>
-          <p:nvPr>
-            <p:ph type="body" sz="quarter" idx="11"/>
+          <p:cNvPr id="2" name="Title 1"/>
+          <p:cNvSpPr>
+            <a:spLocks noGrp="1"/>
+          </p:cNvSpPr>
+          <p:nvPr>
+            <p:ph type="title"/>
           </p:nvPr>
         </p:nvSpPr>
         <p:spPr/>
@@ -3666,73 +3726,197 @@
           <a:bodyPr/>
           <a:lstStyle/>
           <a:p>
-            <a:endParaRPr lang="en-US" dirty="0"/>
-          </a:p>
-        </p:txBody>
-      </p:sp>
-      <p:sp>
-        <p:nvSpPr>
-          <p:cNvPr id="29" name="Text Placeholder 28"/>
-          <p:cNvSpPr>
-            <a:spLocks noGrp="1"/>
-          </p:cNvSpPr>
-          <p:nvPr>
-            <p:ph type="body" sz="quarter" idx="10"/>
-          </p:nvPr>
-        </p:nvSpPr>
-        <p:spPr/>
-        <p:txBody>
-          <a:bodyPr/>
-          <a:lstStyle/>
-          <a:p>
-            <a:r>
-              <a:rPr lang="pt-PT" sz="16600" dirty="0" smtClean="0"/>
-              <a:t>05</a:t>
-            </a:r>
-            <a:endParaRPr lang="pt-PT" sz="16600" dirty="0"/>
-          </a:p>
-        </p:txBody>
-      </p:sp>
-      <p:sp>
-        <p:nvSpPr>
-          <p:cNvPr id="4" name="Title 3"/>
-          <p:cNvSpPr>
-            <a:spLocks noGrp="1"/>
-          </p:cNvSpPr>
-          <p:nvPr>
-            <p:ph type="title"/>
+            <a:r>
+              <a:rPr lang="en-US" dirty="0" smtClean="0"/>
+              <a:t>Questions</a:t>
+            </a:r>
+            <a:endParaRPr lang="pt-PT" dirty="0"/>
+          </a:p>
+        </p:txBody>
+      </p:sp>
+      <p:sp>
+        <p:nvSpPr>
+          <p:cNvPr id="3" name="Content Placeholder 2"/>
+          <p:cNvSpPr>
+            <a:spLocks noGrp="1"/>
+          </p:cNvSpPr>
+          <p:nvPr>
+            <p:ph idx="1"/>
           </p:nvPr>
         </p:nvSpPr>
         <p:spPr>
           <a:xfrm>
-            <a:off x="2281222" y="3214686"/>
-            <a:ext cx="6786578" cy="3033714"/>
+            <a:off x="457200" y="1094346"/>
+            <a:ext cx="8229600" cy="5214974"/>
           </a:xfrm>
-          <a:solidFill>
-            <a:srgbClr val="FFFFFF">
-              <a:alpha val="80000"/>
-            </a:srgbClr>
-          </a:solidFill>
         </p:spPr>
         <p:txBody>
-          <a:bodyPr rIns="288000">
+          <a:bodyPr>
             <a:noAutofit/>
           </a:bodyPr>
           <a:lstStyle/>
           <a:p>
-            <a:pPr marL="0" algn="r"/>
-            <a:r>
-              <a:rPr lang="pt-PT" sz="6000" dirty="0" smtClean="0"/>
-              <a:t>Data Sample</a:t>
-            </a:r>
-            <a:endParaRPr lang="pt-PT" sz="6000" dirty="0"/>
+            <a:pPr marL="571500" lvl="3" indent="-571500">
+              <a:spcBef>
+                <a:spcPts val="1800"/>
+              </a:spcBef>
+              <a:buFont typeface="Arial" panose="020B0604020202020204" pitchFamily="34" charset="0"/>
+              <a:buChar char="•"/>
+            </a:pPr>
+            <a:r>
+              <a:rPr lang="en-GB" sz="2700" b="1" dirty="0">
+                <a:solidFill>
+                  <a:srgbClr val="336699"/>
+                </a:solidFill>
+              </a:rPr>
+              <a:t>Does Computer Science graduates in IST have more unemployment, in 2015, than Computer Science in ISEL? </a:t>
+            </a:r>
+            <a:r>
+              <a:rPr lang="en-GB" sz="2700" b="1" dirty="0">
+                <a:solidFill>
+                  <a:srgbClr val="336699"/>
+                </a:solidFill>
+              </a:rPr>
+              <a:t>And in 2007</a:t>
+            </a:r>
+            <a:r>
+              <a:rPr lang="en-GB" sz="2700" b="1" dirty="0" smtClean="0">
+                <a:solidFill>
+                  <a:srgbClr val="336699"/>
+                </a:solidFill>
+              </a:rPr>
+              <a:t>?</a:t>
+            </a:r>
+            <a:endParaRPr lang="en-US" sz="2700" b="1" dirty="0" smtClean="0">
+              <a:solidFill>
+                <a:srgbClr val="336699"/>
+              </a:solidFill>
+            </a:endParaRPr>
+          </a:p>
+          <a:p>
+            <a:pPr marL="571500" lvl="3" indent="-571500">
+              <a:spcBef>
+                <a:spcPts val="1800"/>
+              </a:spcBef>
+              <a:buFont typeface="Arial" panose="020B0604020202020204" pitchFamily="34" charset="0"/>
+              <a:buChar char="•"/>
+            </a:pPr>
+            <a:r>
+              <a:rPr lang="en-GB" sz="2700" b="1" dirty="0">
+                <a:solidFill>
+                  <a:srgbClr val="336699"/>
+                </a:solidFill>
+              </a:rPr>
+              <a:t>Is Computer Science in IST having less unemployed graduates in last </a:t>
+            </a:r>
+            <a:r>
+              <a:rPr lang="en-GB" sz="2700" b="1" dirty="0" smtClean="0">
+                <a:solidFill>
+                  <a:srgbClr val="336699"/>
+                </a:solidFill>
+              </a:rPr>
+              <a:t>years?</a:t>
+            </a:r>
+            <a:endParaRPr lang="en-GB" sz="2700" b="1" dirty="0">
+              <a:solidFill>
+                <a:srgbClr val="336699"/>
+              </a:solidFill>
+            </a:endParaRPr>
+          </a:p>
+          <a:p>
+            <a:pPr marL="571500" lvl="3" indent="-571500">
+              <a:spcBef>
+                <a:spcPts val="1800"/>
+              </a:spcBef>
+              <a:buFont typeface="Arial" panose="020B0604020202020204" pitchFamily="34" charset="0"/>
+              <a:buChar char="•"/>
+            </a:pPr>
+            <a:r>
+              <a:rPr lang="en-GB" sz="2700" b="1" dirty="0" smtClean="0">
+                <a:solidFill>
+                  <a:srgbClr val="336699"/>
+                </a:solidFill>
+              </a:rPr>
+              <a:t>What </a:t>
+            </a:r>
+            <a:r>
+              <a:rPr lang="en-GB" sz="2700" b="1" dirty="0">
+                <a:solidFill>
+                  <a:srgbClr val="336699"/>
+                </a:solidFill>
+              </a:rPr>
+              <a:t>was the year which had less unemployed people from Computer Science in IST</a:t>
+            </a:r>
+            <a:r>
+              <a:rPr lang="en-GB" sz="2700" b="1" dirty="0" smtClean="0">
+                <a:solidFill>
+                  <a:srgbClr val="336699"/>
+                </a:solidFill>
+              </a:rPr>
+              <a:t>?</a:t>
+            </a:r>
+          </a:p>
+          <a:p>
+            <a:pPr marL="571500" lvl="3" indent="-571500">
+              <a:spcBef>
+                <a:spcPts val="1800"/>
+              </a:spcBef>
+              <a:buFont typeface="Arial" panose="020B0604020202020204" pitchFamily="34" charset="0"/>
+              <a:buChar char="•"/>
+            </a:pPr>
+            <a:r>
+              <a:rPr lang="en-GB" sz="2700" b="1" dirty="0">
+                <a:solidFill>
+                  <a:srgbClr val="336699"/>
+                </a:solidFill>
+              </a:rPr>
+              <a:t>What is the university with more unemployment</a:t>
+            </a:r>
+            <a:r>
+              <a:rPr lang="en-GB" sz="2700" b="1" dirty="0" smtClean="0">
+                <a:solidFill>
+                  <a:srgbClr val="336699"/>
+                </a:solidFill>
+              </a:rPr>
+              <a:t>?</a:t>
+            </a:r>
+          </a:p>
+          <a:p>
+            <a:pPr marL="571500" lvl="3" indent="-571500">
+              <a:spcBef>
+                <a:spcPts val="1800"/>
+              </a:spcBef>
+              <a:buFont typeface="Arial" panose="020B0604020202020204" pitchFamily="34" charset="0"/>
+              <a:buChar char="•"/>
+            </a:pPr>
+            <a:r>
+              <a:rPr lang="en-GB" sz="2700" b="1" dirty="0">
+                <a:solidFill>
+                  <a:srgbClr val="336699"/>
+                </a:solidFill>
+              </a:rPr>
+              <a:t>Where the unemployment will be higher? In a course with 14 minimum entry grade or one with 17</a:t>
+            </a:r>
+            <a:r>
+              <a:rPr lang="en-GB" sz="2700" b="1" dirty="0" smtClean="0">
+                <a:solidFill>
+                  <a:srgbClr val="336699"/>
+                </a:solidFill>
+              </a:rPr>
+              <a:t>?</a:t>
+            </a:r>
+            <a:endParaRPr lang="en-GB" sz="2700" b="1" dirty="0">
+              <a:solidFill>
+                <a:srgbClr val="336699"/>
+              </a:solidFill>
+            </a:endParaRPr>
           </a:p>
         </p:txBody>
       </p:sp>
     </p:spTree>
     <p:extLst>
       <p:ext uri="{BB962C8B-B14F-4D97-AF65-F5344CB8AC3E}">
-        <p14:creationId xmlns:p14="http://schemas.microsoft.com/office/powerpoint/2010/main" xmlns="" val="2312607420"/>
+        <p14:creationId xmlns:p14="http://schemas.microsoft.com/office/powerpoint/2010/main" val="3456915046"/>
       </p:ext>
     </p:extLst>
   </p:cSld>
@@ -3768,6 +3952,121 @@
       </p:grpSpPr>
       <p:sp>
         <p:nvSpPr>
+          <p:cNvPr id="6" name="Text Placeholder 5"/>
+          <p:cNvSpPr>
+            <a:spLocks noGrp="1"/>
+          </p:cNvSpPr>
+          <p:nvPr>
+            <p:ph type="body" sz="quarter" idx="11"/>
+          </p:nvPr>
+        </p:nvSpPr>
+        <p:spPr/>
+        <p:txBody>
+          <a:bodyPr/>
+          <a:lstStyle/>
+          <a:p>
+            <a:endParaRPr lang="en-US" dirty="0"/>
+          </a:p>
+        </p:txBody>
+      </p:sp>
+      <p:sp>
+        <p:nvSpPr>
+          <p:cNvPr id="29" name="Text Placeholder 28"/>
+          <p:cNvSpPr>
+            <a:spLocks noGrp="1"/>
+          </p:cNvSpPr>
+          <p:nvPr>
+            <p:ph type="body" sz="quarter" idx="10"/>
+          </p:nvPr>
+        </p:nvSpPr>
+        <p:spPr/>
+        <p:txBody>
+          <a:bodyPr/>
+          <a:lstStyle/>
+          <a:p>
+            <a:r>
+              <a:rPr lang="pt-PT" sz="16600" dirty="0" smtClean="0"/>
+              <a:t>05</a:t>
+            </a:r>
+            <a:endParaRPr lang="pt-PT" sz="16600" dirty="0"/>
+          </a:p>
+        </p:txBody>
+      </p:sp>
+      <p:sp>
+        <p:nvSpPr>
+          <p:cNvPr id="4" name="Title 3"/>
+          <p:cNvSpPr>
+            <a:spLocks noGrp="1"/>
+          </p:cNvSpPr>
+          <p:nvPr>
+            <p:ph type="title"/>
+          </p:nvPr>
+        </p:nvSpPr>
+        <p:spPr>
+          <a:xfrm>
+            <a:off x="2281222" y="3214686"/>
+            <a:ext cx="6786578" cy="3033714"/>
+          </a:xfrm>
+          <a:solidFill>
+            <a:srgbClr val="FFFFFF">
+              <a:alpha val="80000"/>
+            </a:srgbClr>
+          </a:solidFill>
+        </p:spPr>
+        <p:txBody>
+          <a:bodyPr rIns="288000">
+            <a:noAutofit/>
+          </a:bodyPr>
+          <a:lstStyle/>
+          <a:p>
+            <a:pPr marL="0" algn="r"/>
+            <a:r>
+              <a:rPr lang="pt-PT" sz="6000" dirty="0" smtClean="0"/>
+              <a:t>Data Sample</a:t>
+            </a:r>
+            <a:endParaRPr lang="pt-PT" sz="6000" dirty="0"/>
+          </a:p>
+        </p:txBody>
+      </p:sp>
+    </p:spTree>
+    <p:extLst>
+      <p:ext uri="{BB962C8B-B14F-4D97-AF65-F5344CB8AC3E}">
+        <p14:creationId xmlns:p14="http://schemas.microsoft.com/office/powerpoint/2010/main" val="2312607420"/>
+      </p:ext>
+    </p:extLst>
+  </p:cSld>
+  <p:clrMapOvr>
+    <a:masterClrMapping/>
+  </p:clrMapOvr>
+  <p:timing>
+    <p:tnLst>
+      <p:par>
+        <p:cTn id="1" dur="indefinite" restart="never" nodeType="tmRoot"/>
+      </p:par>
+    </p:tnLst>
+  </p:timing>
+</p:sld>
+</file>
+
+<file path=ppt/slides/slide12.xml><?xml version="1.0" encoding="utf-8"?>
+<p:sld xmlns:a="http://schemas.openxmlformats.org/drawingml/2006/main" xmlns:r="http://schemas.openxmlformats.org/officeDocument/2006/relationships" xmlns:p="http://schemas.openxmlformats.org/presentationml/2006/main">
+  <p:cSld>
+    <p:spTree>
+      <p:nvGrpSpPr>
+        <p:cNvPr id="1" name=""/>
+        <p:cNvGrpSpPr/>
+        <p:nvPr/>
+      </p:nvGrpSpPr>
+      <p:grpSpPr>
+        <a:xfrm>
+          <a:off x="0" y="0"/>
+          <a:ext cx="0" cy="0"/>
+          <a:chOff x="0" y="0"/>
+          <a:chExt cx="0" cy="0"/>
+        </a:xfrm>
+      </p:grpSpPr>
+      <p:sp>
+        <p:nvSpPr>
           <p:cNvPr id="2" name="Title 1"/>
           <p:cNvSpPr>
             <a:spLocks noGrp="1"/>
@@ -3811,22 +4110,59 @@
           </a:bodyPr>
           <a:lstStyle/>
           <a:p>
-            <a:pPr>
-              <a:spcBef>
-                <a:spcPts val="0"/>
-              </a:spcBef>
-            </a:pPr>
-            <a:r>
-              <a:rPr lang="en-US" sz="2800" dirty="0">
+            <a:r>
+              <a:rPr lang="en-US" sz="1500" dirty="0" smtClean="0">
                 <a:solidFill>
                   <a:schemeClr val="tx1"/>
                 </a:solidFill>
                 <a:latin typeface="Courier New" panose="02070309020205020404" pitchFamily="49" charset="0"/>
                 <a:cs typeface="Courier New" panose="02070309020205020404" pitchFamily="49" charset="0"/>
               </a:rPr>
-              <a:t>(from “xpto.csv”)</a:t>
-            </a:r>
-            <a:endParaRPr lang="pt-PT" sz="2800" dirty="0">
+              <a:t>(</a:t>
+            </a:r>
+            <a:r>
+              <a:rPr lang="pt-PT" sz="1500" dirty="0" smtClean="0">
+                <a:solidFill>
+                  <a:schemeClr val="tx1"/>
+                </a:solidFill>
+                <a:latin typeface="Courier New" panose="02070309020205020404" pitchFamily="49" charset="0"/>
+                <a:cs typeface="Courier New" panose="02070309020205020404" pitchFamily="49" charset="0"/>
+              </a:rPr>
+              <a:t>from </a:t>
+            </a:r>
+            <a:r>
+              <a:rPr lang="pt-PT" sz="1500" dirty="0">
+                <a:solidFill>
+                  <a:schemeClr val="tx1"/>
+                </a:solidFill>
+                <a:latin typeface="Courier New" panose="02070309020205020404" pitchFamily="49" charset="0"/>
+                <a:cs typeface="Courier New" panose="02070309020205020404" pitchFamily="49" charset="0"/>
+              </a:rPr>
+              <a:t>“Unemployment2014.csv”)</a:t>
+            </a:r>
+          </a:p>
+          <a:p>
+            <a:r>
+              <a:rPr lang="en-US" sz="1500" b="0" dirty="0">
+                <a:solidFill>
+                  <a:schemeClr val="tx1"/>
+                </a:solidFill>
+                <a:latin typeface="Courier New" panose="02070309020205020404" pitchFamily="49" charset="0"/>
+                <a:cs typeface="Courier New" panose="02070309020205020404" pitchFamily="49" charset="0"/>
+              </a:rPr>
+              <a:t>University; Course; Degree; Total Unemployed; Total </a:t>
+            </a:r>
+            <a:r>
+              <a:rPr lang="en-US" sz="1500" b="0" dirty="0" smtClean="0">
+                <a:solidFill>
+                  <a:schemeClr val="tx1"/>
+                </a:solidFill>
+                <a:latin typeface="Courier New" panose="02070309020205020404" pitchFamily="49" charset="0"/>
+                <a:cs typeface="Courier New" panose="02070309020205020404" pitchFamily="49" charset="0"/>
+              </a:rPr>
+              <a:t>Graduates</a:t>
+            </a:r>
+            <a:endParaRPr lang="pt-PT" sz="1500" b="0" dirty="0">
               <a:solidFill>
                 <a:schemeClr val="tx1"/>
               </a:solidFill>
@@ -3835,12 +4171,71 @@
             </a:endParaRPr>
           </a:p>
           <a:p>
-            <a:pPr>
-              <a:spcBef>
-                <a:spcPts val="0"/>
-              </a:spcBef>
-            </a:pPr>
-            <a:endParaRPr lang="en-US" sz="2800" dirty="0" smtClean="0">
+            <a:r>
+              <a:rPr lang="pt-PT" sz="1500" b="0" dirty="0" smtClean="0">
+                <a:solidFill>
+                  <a:schemeClr val="tx1"/>
+                </a:solidFill>
+                <a:latin typeface="Courier New" panose="02070309020205020404" pitchFamily="49" charset="0"/>
+                <a:cs typeface="Courier New" panose="02070309020205020404" pitchFamily="49" charset="0"/>
+              </a:rPr>
+              <a:t>IST</a:t>
+            </a:r>
+            <a:r>
+              <a:rPr lang="pt-PT" sz="1500" b="0" dirty="0">
+                <a:solidFill>
+                  <a:schemeClr val="tx1"/>
+                </a:solidFill>
+                <a:latin typeface="Courier New" panose="02070309020205020404" pitchFamily="49" charset="0"/>
+                <a:cs typeface="Courier New" panose="02070309020205020404" pitchFamily="49" charset="0"/>
+              </a:rPr>
+              <a:t>; Engenharia Informática e de Computadores; Licenciatura; 20; </a:t>
+            </a:r>
+            <a:r>
+              <a:rPr lang="pt-PT" sz="1500" b="0" dirty="0" smtClean="0">
+                <a:solidFill>
+                  <a:schemeClr val="tx1"/>
+                </a:solidFill>
+                <a:latin typeface="Courier New" panose="02070309020205020404" pitchFamily="49" charset="0"/>
+                <a:cs typeface="Courier New" panose="02070309020205020404" pitchFamily="49" charset="0"/>
+              </a:rPr>
+              <a:t>800;</a:t>
+            </a:r>
+          </a:p>
+          <a:p>
+            <a:r>
+              <a:rPr lang="pt-PT" sz="1500" b="0" dirty="0" smtClean="0">
+                <a:solidFill>
+                  <a:schemeClr val="tx1"/>
+                </a:solidFill>
+                <a:latin typeface="Courier New" panose="02070309020205020404" pitchFamily="49" charset="0"/>
+                <a:cs typeface="Courier New" panose="02070309020205020404" pitchFamily="49" charset="0"/>
+              </a:rPr>
+              <a:t>ISEL</a:t>
+            </a:r>
+            <a:r>
+              <a:rPr lang="pt-PT" sz="1500" b="0" dirty="0">
+                <a:solidFill>
+                  <a:schemeClr val="tx1"/>
+                </a:solidFill>
+                <a:latin typeface="Courier New" panose="02070309020205020404" pitchFamily="49" charset="0"/>
+                <a:cs typeface="Courier New" panose="02070309020205020404" pitchFamily="49" charset="0"/>
+              </a:rPr>
+              <a:t>; Engenharia Informática e de Computadores; Licenciatura; 30; 500</a:t>
+            </a:r>
+            <a:r>
+              <a:rPr lang="pt-PT" sz="1500" b="0" dirty="0" smtClean="0">
+                <a:solidFill>
+                  <a:schemeClr val="tx1"/>
+                </a:solidFill>
+                <a:latin typeface="Courier New" panose="02070309020205020404" pitchFamily="49" charset="0"/>
+                <a:cs typeface="Courier New" panose="02070309020205020404" pitchFamily="49" charset="0"/>
+              </a:rPr>
+              <a:t>;</a:t>
+            </a:r>
+          </a:p>
+          <a:p>
+            <a:endParaRPr lang="pt-PT" sz="300" b="0" dirty="0">
               <a:solidFill>
                 <a:schemeClr val="tx1"/>
               </a:solidFill>
@@ -3849,32 +4244,36 @@
             </a:endParaRPr>
           </a:p>
           <a:p>
-            <a:pPr>
-              <a:spcBef>
-                <a:spcPts val="0"/>
-              </a:spcBef>
-            </a:pPr>
-            <a:r>
-              <a:rPr lang="en-US" sz="2800" dirty="0" smtClean="0">
+            <a:r>
+              <a:rPr lang="en-US" sz="1500" dirty="0">
                 <a:solidFill>
                   <a:schemeClr val="tx1"/>
                 </a:solidFill>
                 <a:latin typeface="Courier New" panose="02070309020205020404" pitchFamily="49" charset="0"/>
                 <a:cs typeface="Courier New" panose="02070309020205020404" pitchFamily="49" charset="0"/>
               </a:rPr>
-              <a:t>year</a:t>
-            </a:r>
-            <a:r>
-              <a:rPr lang="en-US" sz="2800" dirty="0">
+              <a:t>(from “Unemployment2015.csv”)</a:t>
+            </a:r>
+            <a:endParaRPr lang="pt-PT" sz="1500" dirty="0">
+              <a:solidFill>
+                <a:schemeClr val="tx1"/>
+              </a:solidFill>
+              <a:latin typeface="Courier New" panose="02070309020205020404" pitchFamily="49" charset="0"/>
+              <a:cs typeface="Courier New" panose="02070309020205020404" pitchFamily="49" charset="0"/>
+            </a:endParaRPr>
+          </a:p>
+          <a:p>
+            <a:r>
+              <a:rPr lang="en-US" sz="1500" b="0" dirty="0">
                 <a:solidFill>
                   <a:schemeClr val="tx1"/>
                 </a:solidFill>
                 <a:latin typeface="Courier New" panose="02070309020205020404" pitchFamily="49" charset="0"/>
                 <a:cs typeface="Courier New" panose="02070309020205020404" pitchFamily="49" charset="0"/>
               </a:rPr>
-              <a:t>; name; cost; rating</a:t>
-            </a:r>
-            <a:endParaRPr lang="pt-PT" sz="2800" dirty="0">
+              <a:t>University; Course; Degree; Total Unemployed; Total Graduates; </a:t>
+            </a:r>
+            <a:endParaRPr lang="pt-PT" sz="1500" b="0" dirty="0">
               <a:solidFill>
                 <a:schemeClr val="tx1"/>
               </a:solidFill>
@@ -3883,22 +4282,41 @@
             </a:endParaRPr>
           </a:p>
           <a:p>
-            <a:pPr>
-              <a:spcBef>
-                <a:spcPts val="0"/>
-              </a:spcBef>
-            </a:pPr>
-            <a:r>
-              <a:rPr lang="en-US" sz="2800" dirty="0">
+            <a:r>
+              <a:rPr lang="pt-PT" sz="1500" b="0" dirty="0">
                 <a:solidFill>
                   <a:schemeClr val="tx1"/>
                 </a:solidFill>
                 <a:latin typeface="Courier New" panose="02070309020205020404" pitchFamily="49" charset="0"/>
                 <a:cs typeface="Courier New" panose="02070309020205020404" pitchFamily="49" charset="0"/>
               </a:rPr>
-              <a:t>2012; Potatoes; 12000; 4</a:t>
-            </a:r>
-            <a:endParaRPr lang="pt-PT" sz="2800" dirty="0">
+              <a:t>IST; Engenharia Informática e de Computadores; Licenciatura; 15; 870; </a:t>
+            </a:r>
+          </a:p>
+          <a:p>
+            <a:r>
+              <a:rPr lang="pt-PT" sz="1500" b="0" dirty="0">
+                <a:solidFill>
+                  <a:schemeClr val="tx1"/>
+                </a:solidFill>
+                <a:latin typeface="Courier New" panose="02070309020205020404" pitchFamily="49" charset="0"/>
+                <a:cs typeface="Courier New" panose="02070309020205020404" pitchFamily="49" charset="0"/>
+              </a:rPr>
+              <a:t>ISEL; Engenharia Informática e de Computadores; Licenciatura; 40; 650</a:t>
+            </a:r>
+            <a:r>
+              <a:rPr lang="pt-PT" sz="1500" b="0" dirty="0" smtClean="0">
+                <a:solidFill>
+                  <a:schemeClr val="tx1"/>
+                </a:solidFill>
+                <a:latin typeface="Courier New" panose="02070309020205020404" pitchFamily="49" charset="0"/>
+                <a:cs typeface="Courier New" panose="02070309020205020404" pitchFamily="49" charset="0"/>
+              </a:rPr>
+              <a:t>;</a:t>
+            </a:r>
+          </a:p>
+          <a:p>
+            <a:endParaRPr lang="pt-PT" sz="300" b="0" dirty="0">
               <a:solidFill>
                 <a:schemeClr val="tx1"/>
               </a:solidFill>
@@ -3906,12 +4324,79 @@
               <a:cs typeface="Courier New" panose="02070309020205020404" pitchFamily="49" charset="0"/>
             </a:endParaRPr>
           </a:p>
+          <a:p>
+            <a:r>
+              <a:rPr lang="en-US" sz="1500" dirty="0">
+                <a:solidFill>
+                  <a:schemeClr val="tx1"/>
+                </a:solidFill>
+                <a:latin typeface="Courier New" panose="02070309020205020404" pitchFamily="49" charset="0"/>
+                <a:cs typeface="Courier New" panose="02070309020205020404" pitchFamily="49" charset="0"/>
+              </a:rPr>
+              <a:t>(from “MinimumEntrygGrades2016.csv”)</a:t>
+            </a:r>
+            <a:endParaRPr lang="pt-PT" sz="1500" dirty="0">
+              <a:solidFill>
+                <a:schemeClr val="tx1"/>
+              </a:solidFill>
+              <a:latin typeface="Courier New" panose="02070309020205020404" pitchFamily="49" charset="0"/>
+              <a:cs typeface="Courier New" panose="02070309020205020404" pitchFamily="49" charset="0"/>
+            </a:endParaRPr>
+          </a:p>
+          <a:p>
+            <a:r>
+              <a:rPr lang="en-US" sz="1500" b="0" dirty="0">
+                <a:solidFill>
+                  <a:schemeClr val="tx1"/>
+                </a:solidFill>
+                <a:latin typeface="Courier New" panose="02070309020205020404" pitchFamily="49" charset="0"/>
+                <a:cs typeface="Courier New" panose="02070309020205020404" pitchFamily="49" charset="0"/>
+              </a:rPr>
+              <a:t>University; Course; Degree; MinimumEntryGrade; </a:t>
+            </a:r>
+            <a:endParaRPr lang="pt-PT" sz="1500" b="0" dirty="0">
+              <a:solidFill>
+                <a:schemeClr val="tx1"/>
+              </a:solidFill>
+              <a:latin typeface="Courier New" panose="02070309020205020404" pitchFamily="49" charset="0"/>
+              <a:cs typeface="Courier New" panose="02070309020205020404" pitchFamily="49" charset="0"/>
+            </a:endParaRPr>
+          </a:p>
+          <a:p>
+            <a:r>
+              <a:rPr lang="pt-PT" sz="1500" b="0" dirty="0">
+                <a:solidFill>
+                  <a:schemeClr val="tx1"/>
+                </a:solidFill>
+                <a:latin typeface="Courier New" panose="02070309020205020404" pitchFamily="49" charset="0"/>
+                <a:cs typeface="Courier New" panose="02070309020205020404" pitchFamily="49" charset="0"/>
+              </a:rPr>
+              <a:t>IST; Engenharia Informática e de Computadores; Licenciatura; </a:t>
+            </a:r>
+            <a:r>
+              <a:rPr lang="pt-PT" sz="1500" b="0" dirty="0" smtClean="0">
+                <a:solidFill>
+                  <a:schemeClr val="tx1"/>
+                </a:solidFill>
+                <a:latin typeface="Courier New" panose="02070309020205020404" pitchFamily="49" charset="0"/>
+                <a:cs typeface="Courier New" panose="02070309020205020404" pitchFamily="49" charset="0"/>
+              </a:rPr>
+              <a:t>16.7</a:t>
+            </a:r>
+            <a:endParaRPr lang="pt-PT" sz="1500" b="0" dirty="0">
+              <a:solidFill>
+                <a:schemeClr val="tx1"/>
+              </a:solidFill>
+              <a:latin typeface="Courier New" panose="02070309020205020404" pitchFamily="49" charset="0"/>
+              <a:cs typeface="Courier New" panose="02070309020205020404" pitchFamily="49" charset="0"/>
+            </a:endParaRPr>
+          </a:p>
         </p:txBody>
       </p:sp>
     </p:spTree>
     <p:extLst>
       <p:ext uri="{BB962C8B-B14F-4D97-AF65-F5344CB8AC3E}">
-        <p14:creationId xmlns:p14="http://schemas.microsoft.com/office/powerpoint/2010/main" xmlns="" val="2292396113"/>
+        <p14:creationId xmlns:p14="http://schemas.microsoft.com/office/powerpoint/2010/main" val="2292396113"/>
       </p:ext>
     </p:extLst>
   </p:cSld>
@@ -4097,30 +4582,76 @@
           <a:p>
             <a:r>
               <a:rPr lang="en-US" sz="4000" dirty="0" smtClean="0"/>
-              <a:t>High level description</a:t>
+              <a:t>High level </a:t>
+            </a:r>
+            <a:r>
+              <a:rPr lang="en-US" sz="4000" dirty="0" smtClean="0"/>
+              <a:t>description</a:t>
             </a:r>
           </a:p>
           <a:p>
             <a:pPr lvl="1"/>
             <a:r>
-              <a:rPr lang="en-US" sz="3600" dirty="0" smtClean="0"/>
-              <a:t>What will you be visualizing?</a:t>
-            </a:r>
-          </a:p>
-          <a:p>
-            <a:pPr lvl="1"/>
-            <a:r>
-              <a:rPr lang="en-US" sz="3600" dirty="0" smtClean="0"/>
-              <a:t>Why is that relevant?</a:t>
-            </a:r>
-            <a:endParaRPr lang="en-US" dirty="0" smtClean="0"/>
-          </a:p>
-        </p:txBody>
-      </p:sp>
+              <a:rPr lang="en-GB" sz="3600" dirty="0" smtClean="0"/>
+              <a:t>The </a:t>
+            </a:r>
+            <a:r>
+              <a:rPr lang="en-GB" sz="3600" b="1" dirty="0" smtClean="0"/>
+              <a:t>employment/unemployment</a:t>
+            </a:r>
+            <a:r>
+              <a:rPr lang="en-GB" sz="3600" dirty="0" smtClean="0"/>
+              <a:t> of higher education courses from all the public and private universities of Portugal</a:t>
+            </a:r>
+            <a:endParaRPr lang="pt-PT" sz="3600" dirty="0" smtClean="0"/>
+          </a:p>
+        </p:txBody>
+      </p:sp>
+      <p:pic>
+        <p:nvPicPr>
+          <p:cNvPr id="2050" name="Picture 2" descr="C:\Users\Mário\Desktop\a.jpg"/>
+          <p:cNvPicPr>
+            <a:picLocks noChangeAspect="1" noChangeArrowheads="1"/>
+          </p:cNvPicPr>
+          <p:nvPr/>
+        </p:nvPicPr>
+        <p:blipFill>
+          <a:blip r:embed="rId3">
+            <a:extLst>
+              <a:ext uri="{28A0092B-C50C-407E-A947-70E740481C1C}">
+                <a14:useLocalDpi xmlns:a14="http://schemas.microsoft.com/office/drawing/2010/main" val="0"/>
+              </a:ext>
+            </a:extLst>
+          </a:blip>
+          <a:srcRect/>
+          <a:stretch>
+            <a:fillRect/>
+          </a:stretch>
+        </p:blipFill>
+        <p:spPr bwMode="auto">
+          <a:xfrm>
+            <a:off x="3563888" y="3860370"/>
+            <a:ext cx="3832101" cy="2542712"/>
+          </a:xfrm>
+          <a:prstGeom prst="rect">
+            <a:avLst/>
+          </a:prstGeom>
+          <a:noFill/>
+          <a:extLst>
+            <a:ext uri="{909E8E84-426E-40DD-AFC4-6F175D3DCCD1}">
+              <a14:hiddenFill xmlns:a14="http://schemas.microsoft.com/office/drawing/2010/main">
+                <a:solidFill>
+                  <a:srgbClr val="FFFFFF"/>
+                </a:solidFill>
+              </a14:hiddenFill>
+            </a:ext>
+          </a:extLst>
+        </p:spPr>
+      </p:pic>
     </p:spTree>
     <p:extLst>
       <p:ext uri="{BB962C8B-B14F-4D97-AF65-F5344CB8AC3E}">
-        <p14:creationId xmlns:p14="http://schemas.microsoft.com/office/powerpoint/2010/main" xmlns="" val="4240120593"/>
+        <p14:creationId xmlns:p14="http://schemas.microsoft.com/office/powerpoint/2010/main" val="4240120593"/>
       </p:ext>
     </p:extLst>
   </p:cSld>
@@ -4235,7 +4766,7 @@
     </p:spTree>
     <p:extLst>
       <p:ext uri="{BB962C8B-B14F-4D97-AF65-F5344CB8AC3E}">
-        <p14:creationId xmlns:p14="http://schemas.microsoft.com/office/powerpoint/2010/main" xmlns="" val="627357321"/>
+        <p14:creationId xmlns:p14="http://schemas.microsoft.com/office/powerpoint/2010/main" val="627357321"/>
       </p:ext>
     </p:extLst>
   </p:cSld>
@@ -4317,27 +4848,93 @@
           <a:p>
             <a:pPr lvl="1"/>
             <a:r>
-              <a:rPr lang="en-US" sz="3600" dirty="0" smtClean="0"/>
-              <a:t>Which dataset?</a:t>
+              <a:rPr lang="en-GB" sz="3600" dirty="0" smtClean="0"/>
+              <a:t>A </a:t>
+            </a:r>
+            <a:r>
+              <a:rPr lang="en-GB" sz="3600" dirty="0"/>
+              <a:t>set </a:t>
+            </a:r>
+            <a:r>
+              <a:rPr lang="en-GB" sz="3600" dirty="0"/>
+              <a:t>of documents </a:t>
+            </a:r>
+            <a:r>
+              <a:rPr lang="en-GB" sz="3600" dirty="0" smtClean="0"/>
+              <a:t>(excel format) provided </a:t>
+            </a:r>
+            <a:r>
+              <a:rPr lang="en-GB" sz="3600" dirty="0"/>
+              <a:t>by DGEEC </a:t>
+            </a:r>
+            <a:r>
+              <a:rPr lang="en-GB" sz="3600" dirty="0" smtClean="0"/>
+              <a:t>with </a:t>
+            </a:r>
+            <a:r>
+              <a:rPr lang="en-GB" sz="3600" dirty="0"/>
+              <a:t>the information about all the courses and the respective </a:t>
+            </a:r>
+            <a:r>
+              <a:rPr lang="en-GB" sz="3600" dirty="0" smtClean="0"/>
+              <a:t>year</a:t>
             </a:r>
           </a:p>
           <a:p>
             <a:pPr lvl="1"/>
             <a:r>
-              <a:rPr lang="en-US" sz="3600" dirty="0" smtClean="0"/>
-              <a:t>How will you obtain the data?</a:t>
-            </a:r>
-          </a:p>
-          <a:p>
-            <a:pPr lvl="1"/>
-            <a:endParaRPr lang="en-US" dirty="0" smtClean="0"/>
-          </a:p>
-        </p:txBody>
-      </p:sp>
+              <a:rPr lang="en-GB" sz="3600" dirty="0" smtClean="0"/>
+              <a:t>Available at DGEEC website</a:t>
+            </a:r>
+            <a:endParaRPr lang="en-US" sz="3600" dirty="0"/>
+          </a:p>
+        </p:txBody>
+      </p:sp>
+      <p:pic>
+        <p:nvPicPr>
+          <p:cNvPr id="1026" name="Picture 2" descr="C:\Users\Mário\Desktop\aa.png"/>
+          <p:cNvPicPr>
+            <a:picLocks noChangeAspect="1" noChangeArrowheads="1"/>
+          </p:cNvPicPr>
+          <p:nvPr/>
+        </p:nvPicPr>
+        <p:blipFill>
+          <a:blip r:embed="rId3">
+            <a:extLst>
+              <a:ext uri="{28A0092B-C50C-407E-A947-70E740481C1C}">
+                <a14:useLocalDpi xmlns:a14="http://schemas.microsoft.com/office/drawing/2010/main" val="0"/>
+              </a:ext>
+            </a:extLst>
+          </a:blip>
+          <a:srcRect/>
+          <a:stretch>
+            <a:fillRect/>
+          </a:stretch>
+        </p:blipFill>
+        <p:spPr bwMode="auto">
+          <a:xfrm>
+            <a:off x="2915816" y="4725144"/>
+            <a:ext cx="3515141" cy="1944216"/>
+          </a:xfrm>
+          <a:prstGeom prst="rect">
+            <a:avLst/>
+          </a:prstGeom>
+          <a:noFill/>
+          <a:extLst>
+            <a:ext uri="{909E8E84-426E-40DD-AFC4-6F175D3DCCD1}">
+              <a14:hiddenFill xmlns:a14="http://schemas.microsoft.com/office/drawing/2010/main">
+                <a:solidFill>
+                  <a:srgbClr val="FFFFFF"/>
+                </a:solidFill>
+              </a14:hiddenFill>
+            </a:ext>
+          </a:extLst>
+        </p:spPr>
+      </p:pic>
     </p:spTree>
     <p:extLst>
       <p:ext uri="{BB962C8B-B14F-4D97-AF65-F5344CB8AC3E}">
-        <p14:creationId xmlns:p14="http://schemas.microsoft.com/office/powerpoint/2010/main" xmlns="" val="2962997025"/>
+        <p14:creationId xmlns:p14="http://schemas.microsoft.com/office/powerpoint/2010/main" val="2962997025"/>
       </p:ext>
     </p:extLst>
   </p:cSld>
@@ -4452,7 +5049,7 @@
     </p:spTree>
     <p:extLst>
       <p:ext uri="{BB962C8B-B14F-4D97-AF65-F5344CB8AC3E}">
-        <p14:creationId xmlns:p14="http://schemas.microsoft.com/office/powerpoint/2010/main" xmlns="" val="760072998"/>
+        <p14:creationId xmlns:p14="http://schemas.microsoft.com/office/powerpoint/2010/main" val="760072998"/>
       </p:ext>
     </p:extLst>
   </p:cSld>
@@ -4539,16 +5136,18 @@
           <a:p>
             <a:pPr lvl="1"/>
             <a:r>
-              <a:rPr lang="en-US" sz="3200" dirty="0" smtClean="0"/>
-              <a:t>Type</a:t>
-            </a:r>
+              <a:rPr lang="en-GB" sz="3200" dirty="0"/>
+              <a:t>Query Compare</a:t>
+            </a:r>
+            <a:endParaRPr lang="en-US" sz="3200" dirty="0" smtClean="0"/>
           </a:p>
           <a:p>
             <a:pPr lvl="1"/>
             <a:r>
-              <a:rPr lang="en-US" sz="3200" dirty="0" smtClean="0"/>
-              <a:t>Description</a:t>
-            </a:r>
+              <a:rPr lang="en-GB" sz="3200" dirty="0"/>
+              <a:t>Compare the unemployment (%) of different courses (regardless of course conclusion year of the graduates)</a:t>
+            </a:r>
+            <a:endParaRPr lang="en-US" sz="3200" dirty="0" smtClean="0"/>
           </a:p>
           <a:p>
             <a:r>
@@ -4564,50 +5163,37 @@
           <a:p>
             <a:pPr lvl="1"/>
             <a:r>
-              <a:rPr lang="en-US" sz="3200" dirty="0"/>
-              <a:t>Type</a:t>
-            </a:r>
+              <a:rPr lang="en-GB" sz="3200" dirty="0"/>
+              <a:t>Consume Present</a:t>
+            </a:r>
+            <a:endParaRPr lang="en-US" sz="3200" dirty="0"/>
           </a:p>
           <a:p>
             <a:pPr lvl="1"/>
             <a:r>
-              <a:rPr lang="en-US" sz="3200" dirty="0"/>
-              <a:t>Description</a:t>
-            </a:r>
-            <a:endParaRPr lang="en-US" sz="2400" dirty="0"/>
-          </a:p>
-          <a:p>
-            <a:r>
-              <a:rPr lang="en-US" sz="3600" dirty="0"/>
-              <a:t>Task </a:t>
-            </a:r>
-            <a:r>
-              <a:rPr lang="en-US" sz="3600" dirty="0" smtClean="0"/>
-              <a:t>3</a:t>
-            </a:r>
-            <a:endParaRPr lang="en-US" sz="3600" dirty="0"/>
-          </a:p>
-          <a:p>
-            <a:pPr lvl="1"/>
-            <a:r>
-              <a:rPr lang="en-US" sz="3200" dirty="0"/>
-              <a:t>Type</a:t>
-            </a:r>
-          </a:p>
-          <a:p>
-            <a:pPr lvl="1"/>
-            <a:r>
-              <a:rPr lang="en-US" sz="3200" dirty="0" smtClean="0"/>
-              <a:t>Description</a:t>
-            </a:r>
-            <a:endParaRPr lang="en-US" sz="2400" dirty="0"/>
+              <a:rPr lang="en-GB" sz="3200" dirty="0"/>
+              <a:t>Present the information </a:t>
+            </a:r>
+            <a:r>
+              <a:rPr lang="en-GB" sz="3200" dirty="0" smtClean="0"/>
+              <a:t>about unemployment </a:t>
+            </a:r>
+            <a:r>
+              <a:rPr lang="en-GB" sz="3200" dirty="0"/>
+              <a:t>(%) from a specific course graduates across </a:t>
+            </a:r>
+            <a:r>
+              <a:rPr lang="en-GB" sz="3200" dirty="0" smtClean="0"/>
+              <a:t>time</a:t>
+            </a:r>
+            <a:endParaRPr lang="pt-PT" sz="3200" dirty="0"/>
           </a:p>
         </p:txBody>
       </p:sp>
     </p:spTree>
     <p:extLst>
       <p:ext uri="{BB962C8B-B14F-4D97-AF65-F5344CB8AC3E}">
-        <p14:creationId xmlns:p14="http://schemas.microsoft.com/office/powerpoint/2010/main" xmlns="" val="1967416131"/>
+        <p14:creationId xmlns:p14="http://schemas.microsoft.com/office/powerpoint/2010/main" val="1967416131"/>
       </p:ext>
     </p:extLst>
   </p:cSld>
@@ -4643,12 +5229,12 @@
       </p:grpSpPr>
       <p:sp>
         <p:nvSpPr>
-          <p:cNvPr id="6" name="Text Placeholder 5"/>
-          <p:cNvSpPr>
-            <a:spLocks noGrp="1"/>
-          </p:cNvSpPr>
-          <p:nvPr>
-            <p:ph type="body" sz="quarter" idx="11"/>
+          <p:cNvPr id="2" name="Title 1"/>
+          <p:cNvSpPr>
+            <a:spLocks noGrp="1"/>
+          </p:cNvSpPr>
+          <p:nvPr>
+            <p:ph type="title"/>
           </p:nvPr>
         </p:nvSpPr>
         <p:spPr/>
@@ -4656,77 +5242,105 @@
           <a:bodyPr/>
           <a:lstStyle/>
           <a:p>
-            <a:endParaRPr lang="en-US" dirty="0"/>
-          </a:p>
-        </p:txBody>
-      </p:sp>
-      <p:sp>
-        <p:nvSpPr>
-          <p:cNvPr id="29" name="Text Placeholder 28"/>
-          <p:cNvSpPr>
-            <a:spLocks noGrp="1"/>
-          </p:cNvSpPr>
-          <p:nvPr>
-            <p:ph type="body" sz="quarter" idx="10"/>
-          </p:nvPr>
-        </p:nvSpPr>
-        <p:spPr/>
-        <p:txBody>
-          <a:bodyPr/>
-          <a:lstStyle/>
-          <a:p>
-            <a:r>
-              <a:rPr lang="pt-PT" sz="16600" dirty="0" smtClean="0"/>
-              <a:t>04</a:t>
-            </a:r>
-            <a:endParaRPr lang="pt-PT" sz="16600" dirty="0"/>
-          </a:p>
-        </p:txBody>
-      </p:sp>
-      <p:sp>
-        <p:nvSpPr>
-          <p:cNvPr id="4" name="Title 3"/>
-          <p:cNvSpPr>
-            <a:spLocks noGrp="1"/>
-          </p:cNvSpPr>
-          <p:nvPr>
-            <p:ph type="title"/>
+            <a:r>
+              <a:rPr lang="en-US" dirty="0" smtClean="0"/>
+              <a:t>Tasks</a:t>
+            </a:r>
+            <a:endParaRPr lang="pt-PT" dirty="0"/>
+          </a:p>
+        </p:txBody>
+      </p:sp>
+      <p:sp>
+        <p:nvSpPr>
+          <p:cNvPr id="3" name="Content Placeholder 2"/>
+          <p:cNvSpPr>
+            <a:spLocks noGrp="1"/>
+          </p:cNvSpPr>
+          <p:nvPr>
+            <p:ph idx="1"/>
           </p:nvPr>
         </p:nvSpPr>
         <p:spPr>
           <a:xfrm>
-            <a:off x="2281222" y="3214686"/>
-            <a:ext cx="6786578" cy="3033714"/>
+            <a:off x="457200" y="1094346"/>
+            <a:ext cx="8229600" cy="5214974"/>
           </a:xfrm>
-          <a:solidFill>
-            <a:srgbClr val="FFFFFF">
-              <a:alpha val="80000"/>
-            </a:srgbClr>
-          </a:solidFill>
         </p:spPr>
         <p:txBody>
-          <a:bodyPr rIns="288000">
+          <a:bodyPr>
             <a:noAutofit/>
           </a:bodyPr>
           <a:lstStyle/>
           <a:p>
-            <a:pPr marL="0" algn="r"/>
-            <a:r>
-              <a:rPr lang="pt-PT" sz="6000" dirty="0" err="1" smtClean="0"/>
-              <a:t>Example</a:t>
-            </a:r>
-            <a:r>
-              <a:rPr lang="pt-PT" sz="6000" dirty="0" smtClean="0"/>
-              <a:t> QUESTIONS</a:t>
-            </a:r>
-            <a:endParaRPr lang="pt-PT" sz="6000" dirty="0"/>
+            <a:r>
+              <a:rPr lang="en-US" sz="3600" dirty="0" smtClean="0"/>
+              <a:t>Task </a:t>
+            </a:r>
+            <a:r>
+              <a:rPr lang="en-US" sz="3600" dirty="0" smtClean="0"/>
+              <a:t>3</a:t>
+            </a:r>
+            <a:endParaRPr lang="en-US" sz="3600" dirty="0" smtClean="0"/>
+          </a:p>
+          <a:p>
+            <a:pPr lvl="1"/>
+            <a:r>
+              <a:rPr lang="en-GB" sz="3200" dirty="0" smtClean="0"/>
+              <a:t>Query Identify</a:t>
+            </a:r>
+          </a:p>
+          <a:p>
+            <a:pPr lvl="1"/>
+            <a:r>
+              <a:rPr lang="en-GB" sz="3200" dirty="0"/>
+              <a:t>Identify the university with </a:t>
+            </a:r>
+            <a:r>
+              <a:rPr lang="en-GB" sz="3200" dirty="0" smtClean="0"/>
+              <a:t>more unemployment </a:t>
+            </a:r>
+            <a:r>
+              <a:rPr lang="en-GB" sz="3200" dirty="0"/>
+              <a:t>(%)</a:t>
+            </a:r>
+            <a:endParaRPr lang="en-US" sz="3200" dirty="0" smtClean="0"/>
+          </a:p>
+          <a:p>
+            <a:r>
+              <a:rPr lang="en-US" sz="3600" dirty="0"/>
+              <a:t>Task </a:t>
+            </a:r>
+            <a:r>
+              <a:rPr lang="en-US" sz="3600" dirty="0"/>
+              <a:t>4</a:t>
+            </a:r>
+            <a:endParaRPr lang="en-US" sz="3600" dirty="0" smtClean="0"/>
+          </a:p>
+          <a:p>
+            <a:pPr lvl="1"/>
+            <a:r>
+              <a:rPr lang="en-GB" sz="3200" dirty="0" smtClean="0"/>
+              <a:t>Consume Present</a:t>
+            </a:r>
+          </a:p>
+          <a:p>
+            <a:pPr lvl="1"/>
+            <a:r>
+              <a:rPr lang="en-GB" sz="3200" dirty="0" smtClean="0"/>
+              <a:t>Relation </a:t>
+            </a:r>
+            <a:r>
+              <a:rPr lang="en-GB" sz="3200" dirty="0"/>
+              <a:t>between minimum entry grade and unemployment (%)</a:t>
+            </a:r>
+            <a:endParaRPr lang="pt-PT" sz="3200" dirty="0"/>
           </a:p>
         </p:txBody>
       </p:sp>
     </p:spTree>
     <p:extLst>
       <p:ext uri="{BB962C8B-B14F-4D97-AF65-F5344CB8AC3E}">
-        <p14:creationId xmlns:p14="http://schemas.microsoft.com/office/powerpoint/2010/main" xmlns="" val="4045494449"/>
+        <p14:creationId xmlns:p14="http://schemas.microsoft.com/office/powerpoint/2010/main" val="3470356155"/>
       </p:ext>
     </p:extLst>
   </p:cSld>
@@ -4762,12 +5376,12 @@
       </p:grpSpPr>
       <p:sp>
         <p:nvSpPr>
-          <p:cNvPr id="2" name="Title 1"/>
-          <p:cNvSpPr>
-            <a:spLocks noGrp="1"/>
-          </p:cNvSpPr>
-          <p:nvPr>
-            <p:ph type="title"/>
+          <p:cNvPr id="6" name="Text Placeholder 5"/>
+          <p:cNvSpPr>
+            <a:spLocks noGrp="1"/>
+          </p:cNvSpPr>
+          <p:nvPr>
+            <p:ph type="body" sz="quarter" idx="11"/>
           </p:nvPr>
         </p:nvSpPr>
         <p:spPr/>
@@ -4775,84 +5389,77 @@
           <a:bodyPr/>
           <a:lstStyle/>
           <a:p>
-            <a:r>
-              <a:rPr lang="en-US" dirty="0" smtClean="0"/>
-              <a:t>Questions</a:t>
-            </a:r>
-            <a:endParaRPr lang="pt-PT" dirty="0"/>
-          </a:p>
-        </p:txBody>
-      </p:sp>
-      <p:sp>
-        <p:nvSpPr>
-          <p:cNvPr id="3" name="Content Placeholder 2"/>
-          <p:cNvSpPr>
-            <a:spLocks noGrp="1"/>
-          </p:cNvSpPr>
-          <p:nvPr>
-            <p:ph idx="1"/>
+            <a:endParaRPr lang="en-US" dirty="0"/>
+          </a:p>
+        </p:txBody>
+      </p:sp>
+      <p:sp>
+        <p:nvSpPr>
+          <p:cNvPr id="29" name="Text Placeholder 28"/>
+          <p:cNvSpPr>
+            <a:spLocks noGrp="1"/>
+          </p:cNvSpPr>
+          <p:nvPr>
+            <p:ph type="body" sz="quarter" idx="10"/>
+          </p:nvPr>
+        </p:nvSpPr>
+        <p:spPr/>
+        <p:txBody>
+          <a:bodyPr/>
+          <a:lstStyle/>
+          <a:p>
+            <a:r>
+              <a:rPr lang="pt-PT" sz="16600" dirty="0" smtClean="0"/>
+              <a:t>04</a:t>
+            </a:r>
+            <a:endParaRPr lang="pt-PT" sz="16600" dirty="0"/>
+          </a:p>
+        </p:txBody>
+      </p:sp>
+      <p:sp>
+        <p:nvSpPr>
+          <p:cNvPr id="4" name="Title 3"/>
+          <p:cNvSpPr>
+            <a:spLocks noGrp="1"/>
+          </p:cNvSpPr>
+          <p:nvPr>
+            <p:ph type="title"/>
           </p:nvPr>
         </p:nvSpPr>
         <p:spPr>
           <a:xfrm>
-            <a:off x="457200" y="1094346"/>
-            <a:ext cx="8229600" cy="5214974"/>
+            <a:off x="2281222" y="3214686"/>
+            <a:ext cx="6786578" cy="3033714"/>
           </a:xfrm>
+          <a:solidFill>
+            <a:srgbClr val="FFFFFF">
+              <a:alpha val="80000"/>
+            </a:srgbClr>
+          </a:solidFill>
         </p:spPr>
         <p:txBody>
-          <a:bodyPr>
+          <a:bodyPr rIns="288000">
             <a:noAutofit/>
           </a:bodyPr>
           <a:lstStyle/>
           <a:p>
-            <a:r>
-              <a:rPr lang="en-US" sz="4000" dirty="0" smtClean="0"/>
-              <a:t>Question 1</a:t>
-            </a:r>
-          </a:p>
-          <a:p>
-            <a:r>
-              <a:rPr lang="en-US" sz="4000" dirty="0" smtClean="0"/>
-              <a:t>Question 2</a:t>
-            </a:r>
-            <a:endParaRPr lang="en-US" sz="4000" dirty="0"/>
-          </a:p>
-          <a:p>
-            <a:r>
-              <a:rPr lang="en-US" sz="4000" dirty="0" smtClean="0"/>
-              <a:t>Question 3</a:t>
-            </a:r>
-          </a:p>
-          <a:p>
-            <a:r>
-              <a:rPr lang="en-US" sz="4000" dirty="0"/>
-              <a:t>Question 4</a:t>
-            </a:r>
-            <a:endParaRPr lang="en-US" sz="4000" dirty="0" smtClean="0"/>
-          </a:p>
-          <a:p>
-            <a:r>
-              <a:rPr lang="en-US" sz="4000" dirty="0"/>
-              <a:t>Question </a:t>
-            </a:r>
-            <a:r>
-              <a:rPr lang="en-US" sz="4000" dirty="0" smtClean="0"/>
-              <a:t>5</a:t>
-            </a:r>
-            <a:endParaRPr lang="en-US" sz="4000" dirty="0"/>
-          </a:p>
-          <a:p>
-            <a:endParaRPr lang="en-US" sz="4000" dirty="0" smtClean="0"/>
-          </a:p>
-          <a:p>
-            <a:endParaRPr lang="en-US" sz="4000" dirty="0"/>
+            <a:pPr marL="0" algn="r"/>
+            <a:r>
+              <a:rPr lang="pt-PT" sz="6000" dirty="0" err="1" smtClean="0"/>
+              <a:t>Example</a:t>
+            </a:r>
+            <a:r>
+              <a:rPr lang="pt-PT" sz="6000" dirty="0" smtClean="0"/>
+              <a:t> QUESTIONS</a:t>
+            </a:r>
+            <a:endParaRPr lang="pt-PT" sz="6000" dirty="0"/>
           </a:p>
         </p:txBody>
       </p:sp>
     </p:spTree>
     <p:extLst>
       <p:ext uri="{BB962C8B-B14F-4D97-AF65-F5344CB8AC3E}">
-        <p14:creationId xmlns:p14="http://schemas.microsoft.com/office/powerpoint/2010/main" xmlns="" val="3456915046"/>
+        <p14:creationId xmlns:p14="http://schemas.microsoft.com/office/powerpoint/2010/main" val="4045494449"/>
       </p:ext>
     </p:extLst>
   </p:cSld>

--- a/I-Checkpoint/I-Checkpoint Presentation.pptx
+++ b/I-Checkpoint/I-Checkpoint Presentation.pptx
@@ -123,7 +123,7 @@
   </p:defaultTextStyle>
   <p:extLst>
     <p:ext uri="{EFAFB233-063F-42B5-8137-9DF3F51BA10A}">
-      <p15:sldGuideLst xmlns="" xmlns:p15="http://schemas.microsoft.com/office/powerpoint/2012/main">
+      <p15:sldGuideLst xmlns:p15="http://schemas.microsoft.com/office/powerpoint/2012/main">
         <p15:guide id="1" orient="horz" pos="2160">
           <p15:clr>
             <a:srgbClr val="A4A3A4"/>
@@ -223,7 +223,7 @@
             <a:fld id="{745C36E7-9E00-462E-80A3-32F2BE615C7A}" type="datetimeFigureOut">
               <a:rPr lang="en-US" smtClean="0"/>
               <a:pPr/>
-              <a:t>10/5/2016</a:t>
+              <a:t>10/6/2016</a:t>
             </a:fld>
             <a:endParaRPr lang="en-US"/>
           </a:p>
@@ -290,7 +290,7 @@
             <a:fld id="{C7B702CB-D988-47C5-8204-95032A6A7C26}" type="slidenum">
               <a:rPr lang="en-US" smtClean="0"/>
               <a:pPr/>
-              <a:t>‹#›</a:t>
+              <a:t>‹nº›</a:t>
             </a:fld>
             <a:endParaRPr lang="en-US"/>
           </a:p>
@@ -390,7 +390,7 @@
             <a:fld id="{01F3E309-ED8D-4193-99AF-E5EA90965E98}" type="datetimeFigureOut">
               <a:rPr lang="en-US" smtClean="0"/>
               <a:pPr/>
-              <a:t>10/5/2016</a:t>
+              <a:t>10/6/2016</a:t>
             </a:fld>
             <a:endParaRPr lang="en-US"/>
           </a:p>
@@ -456,38 +456,37 @@
           <a:p>
             <a:pPr lvl="0"/>
             <a:r>
-              <a:rPr lang="en-US" smtClean="0"/>
+              <a:rPr lang="en-US"/>
               <a:t>Click to edit Master text styles</a:t>
             </a:r>
           </a:p>
           <a:p>
             <a:pPr lvl="1"/>
             <a:r>
-              <a:rPr lang="en-US" smtClean="0"/>
+              <a:rPr lang="en-US"/>
               <a:t>Second level</a:t>
             </a:r>
           </a:p>
           <a:p>
             <a:pPr lvl="2"/>
             <a:r>
-              <a:rPr lang="en-US" smtClean="0"/>
+              <a:rPr lang="en-US"/>
               <a:t>Third level</a:t>
             </a:r>
           </a:p>
           <a:p>
             <a:pPr lvl="3"/>
             <a:r>
-              <a:rPr lang="en-US" smtClean="0"/>
+              <a:rPr lang="en-US"/>
               <a:t>Fourth level</a:t>
             </a:r>
           </a:p>
           <a:p>
             <a:pPr lvl="4"/>
             <a:r>
-              <a:rPr lang="en-US" smtClean="0"/>
+              <a:rPr lang="en-US"/>
               <a:t>Fifth level</a:t>
             </a:r>
-            <a:endParaRPr lang="en-US"/>
           </a:p>
         </p:txBody>
       </p:sp>
@@ -552,7 +551,7 @@
             <a:fld id="{F535F173-C1DD-4975-94BF-5B9ED67F7674}" type="slidenum">
               <a:rPr lang="en-US" smtClean="0"/>
               <a:pPr/>
-              <a:t>‹#›</a:t>
+              <a:t>‹nº›</a:t>
             </a:fld>
             <a:endParaRPr lang="en-US"/>
           </a:p>
@@ -705,7 +704,7 @@
           <a:bodyPr/>
           <a:lstStyle/>
           <a:p>
-            <a:endParaRPr lang="en-US" baseline="0" dirty="0" smtClean="0"/>
+            <a:endParaRPr lang="en-US" baseline="0" dirty="0"/>
           </a:p>
         </p:txBody>
       </p:sp>
@@ -790,7 +789,7 @@
           <a:bodyPr/>
           <a:lstStyle/>
           <a:p>
-            <a:endParaRPr lang="en-US" baseline="0" dirty="0" smtClean="0"/>
+            <a:endParaRPr lang="en-US" baseline="0" dirty="0"/>
           </a:p>
         </p:txBody>
       </p:sp>
@@ -875,7 +874,7 @@
           <a:bodyPr/>
           <a:lstStyle/>
           <a:p>
-            <a:endParaRPr lang="en-US" baseline="0" dirty="0" smtClean="0"/>
+            <a:endParaRPr lang="en-US" baseline="0" dirty="0"/>
           </a:p>
         </p:txBody>
       </p:sp>
@@ -960,7 +959,7 @@
           <a:bodyPr/>
           <a:lstStyle/>
           <a:p>
-            <a:endParaRPr lang="en-US" baseline="0" dirty="0" smtClean="0"/>
+            <a:endParaRPr lang="en-US" baseline="0" dirty="0"/>
           </a:p>
         </p:txBody>
       </p:sp>
@@ -1045,7 +1044,7 @@
           <a:bodyPr/>
           <a:lstStyle/>
           <a:p>
-            <a:endParaRPr lang="en-US" baseline="0" dirty="0" smtClean="0"/>
+            <a:endParaRPr lang="en-US" baseline="0" dirty="0"/>
           </a:p>
         </p:txBody>
       </p:sp>
@@ -1130,7 +1129,7 @@
           <a:bodyPr/>
           <a:lstStyle/>
           <a:p>
-            <a:endParaRPr lang="en-US" baseline="0" dirty="0" smtClean="0"/>
+            <a:endParaRPr lang="en-US" baseline="0" dirty="0"/>
           </a:p>
         </p:txBody>
       </p:sp>
@@ -1248,7 +1247,7 @@
           <a:lstStyle/>
           <a:p>
             <a:r>
-              <a:rPr lang="en-US" smtClean="0"/>
+              <a:rPr lang="en-US"/>
               <a:t>Click to edit Master title style</a:t>
             </a:r>
             <a:endParaRPr lang="pt-PT" dirty="0"/>
@@ -1321,7 +1320,7 @@
           <a:p>
             <a:pPr lvl="0"/>
             <a:r>
-              <a:rPr lang="en-US" smtClean="0"/>
+              <a:rPr lang="en-US"/>
               <a:t>Click to edit Master text styles</a:t>
             </a:r>
           </a:p>
@@ -1368,7 +1367,7 @@
           <a:lstStyle/>
           <a:p>
             <a:r>
-              <a:rPr lang="en-US" smtClean="0"/>
+              <a:rPr lang="en-US"/>
               <a:t>Click to edit Master title style</a:t>
             </a:r>
             <a:endParaRPr lang="pt-PT"/>
@@ -1392,35 +1391,35 @@
           <a:p>
             <a:pPr lvl="0"/>
             <a:r>
-              <a:rPr lang="en-US" smtClean="0"/>
+              <a:rPr lang="en-US"/>
               <a:t>Click to edit Master text styles</a:t>
             </a:r>
           </a:p>
           <a:p>
             <a:pPr lvl="1"/>
             <a:r>
-              <a:rPr lang="en-US" smtClean="0"/>
+              <a:rPr lang="en-US"/>
               <a:t>Second level</a:t>
             </a:r>
           </a:p>
           <a:p>
             <a:pPr lvl="2"/>
             <a:r>
-              <a:rPr lang="en-US" smtClean="0"/>
+              <a:rPr lang="en-US"/>
               <a:t>Third level</a:t>
             </a:r>
           </a:p>
           <a:p>
             <a:pPr lvl="3"/>
             <a:r>
-              <a:rPr lang="en-US" smtClean="0"/>
+              <a:rPr lang="en-US"/>
               <a:t>Fourth level</a:t>
             </a:r>
           </a:p>
           <a:p>
             <a:pPr lvl="4"/>
             <a:r>
-              <a:rPr lang="en-US" smtClean="0"/>
+              <a:rPr lang="en-US"/>
               <a:t>Fifth level</a:t>
             </a:r>
             <a:endParaRPr lang="pt-PT"/>
@@ -1473,7 +1472,7 @@
           <a:lstStyle/>
           <a:p>
             <a:r>
-              <a:rPr lang="en-US" smtClean="0"/>
+              <a:rPr lang="en-US"/>
               <a:t>Click to edit Master title style</a:t>
             </a:r>
             <a:endParaRPr lang="pt-PT"/>
@@ -1502,35 +1501,35 @@
           <a:p>
             <a:pPr lvl="0"/>
             <a:r>
-              <a:rPr lang="en-US" smtClean="0"/>
+              <a:rPr lang="en-US"/>
               <a:t>Click to edit Master text styles</a:t>
             </a:r>
           </a:p>
           <a:p>
             <a:pPr lvl="1"/>
             <a:r>
-              <a:rPr lang="en-US" smtClean="0"/>
+              <a:rPr lang="en-US"/>
               <a:t>Second level</a:t>
             </a:r>
           </a:p>
           <a:p>
             <a:pPr lvl="2"/>
             <a:r>
-              <a:rPr lang="en-US" smtClean="0"/>
+              <a:rPr lang="en-US"/>
               <a:t>Third level</a:t>
             </a:r>
           </a:p>
           <a:p>
             <a:pPr lvl="3"/>
             <a:r>
-              <a:rPr lang="en-US" smtClean="0"/>
+              <a:rPr lang="en-US"/>
               <a:t>Fourth level</a:t>
             </a:r>
           </a:p>
           <a:p>
             <a:pPr lvl="4"/>
             <a:r>
-              <a:rPr lang="en-US" smtClean="0"/>
+              <a:rPr lang="en-US"/>
               <a:t>Fifth level</a:t>
             </a:r>
             <a:endParaRPr lang="pt-PT"/>
@@ -1578,7 +1577,7 @@
           <a:lstStyle/>
           <a:p>
             <a:r>
-              <a:rPr lang="en-US" smtClean="0"/>
+              <a:rPr lang="en-US"/>
               <a:t>Click to edit Master title style</a:t>
             </a:r>
             <a:endParaRPr lang="pt-PT"/>
@@ -1602,35 +1601,35 @@
           <a:p>
             <a:pPr lvl="0"/>
             <a:r>
-              <a:rPr lang="en-US" smtClean="0"/>
+              <a:rPr lang="en-US"/>
               <a:t>Click to edit Master text styles</a:t>
             </a:r>
           </a:p>
           <a:p>
             <a:pPr lvl="1"/>
             <a:r>
-              <a:rPr lang="en-US" smtClean="0"/>
+              <a:rPr lang="en-US"/>
               <a:t>Second level</a:t>
             </a:r>
           </a:p>
           <a:p>
             <a:pPr lvl="2"/>
             <a:r>
-              <a:rPr lang="en-US" smtClean="0"/>
+              <a:rPr lang="en-US"/>
               <a:t>Third level</a:t>
             </a:r>
           </a:p>
           <a:p>
             <a:pPr lvl="3"/>
             <a:r>
-              <a:rPr lang="en-US" smtClean="0"/>
+              <a:rPr lang="en-US"/>
               <a:t>Fourth level</a:t>
             </a:r>
           </a:p>
           <a:p>
             <a:pPr lvl="4"/>
             <a:r>
-              <a:rPr lang="en-US" smtClean="0"/>
+              <a:rPr lang="en-US"/>
               <a:t>Fifth level</a:t>
             </a:r>
             <a:endParaRPr lang="pt-PT" dirty="0"/>
@@ -1663,7 +1662,7 @@
             <a:fld id="{F3CC9924-33BC-4796-B0F9-D37DB5D899BF}" type="datetimeFigureOut">
               <a:rPr lang="pt-PT" smtClean="0"/>
               <a:pPr/>
-              <a:t>05-10-2016</a:t>
+              <a:t>06/10/2016</a:t>
             </a:fld>
             <a:endParaRPr lang="pt-PT"/>
           </a:p>
@@ -1722,7 +1721,7 @@
             <a:fld id="{B5EBF8D4-C87A-47B7-9996-84452461937B}" type="slidenum">
               <a:rPr lang="pt-PT" smtClean="0"/>
               <a:pPr/>
-              <a:t>‹#›</a:t>
+              <a:t>‹nº›</a:t>
             </a:fld>
             <a:endParaRPr lang="pt-PT"/>
           </a:p>
@@ -1780,7 +1779,7 @@
           <a:p>
             <a:pPr lvl="0"/>
             <a:r>
-              <a:rPr lang="en-US" smtClean="0"/>
+              <a:rPr lang="en-US"/>
               <a:t>Click to edit Master text styles</a:t>
             </a:r>
           </a:p>
@@ -1852,7 +1851,7 @@
           <a:p>
             <a:pPr lvl="0"/>
             <a:r>
-              <a:rPr lang="en-US" smtClean="0"/>
+              <a:rPr lang="en-US"/>
               <a:t>Click to edit Master text styles</a:t>
             </a:r>
           </a:p>
@@ -1894,7 +1893,7 @@
           </a:lstStyle>
           <a:p>
             <a:r>
-              <a:rPr lang="en-US" smtClean="0"/>
+              <a:rPr lang="en-US"/>
               <a:t>Click to edit Master title style</a:t>
             </a:r>
             <a:endParaRPr lang="pt-PT" dirty="0"/>
@@ -1942,7 +1941,7 @@
           <a:lstStyle/>
           <a:p>
             <a:r>
-              <a:rPr lang="en-US" smtClean="0"/>
+              <a:rPr lang="en-US"/>
               <a:t>Click to edit Master title style</a:t>
             </a:r>
             <a:endParaRPr lang="pt-PT"/>
@@ -1999,35 +1998,35 @@
           <a:p>
             <a:pPr lvl="0"/>
             <a:r>
-              <a:rPr lang="en-US" smtClean="0"/>
+              <a:rPr lang="en-US"/>
               <a:t>Click to edit Master text styles</a:t>
             </a:r>
           </a:p>
           <a:p>
             <a:pPr lvl="1"/>
             <a:r>
-              <a:rPr lang="en-US" smtClean="0"/>
+              <a:rPr lang="en-US"/>
               <a:t>Second level</a:t>
             </a:r>
           </a:p>
           <a:p>
             <a:pPr lvl="2"/>
             <a:r>
-              <a:rPr lang="en-US" smtClean="0"/>
+              <a:rPr lang="en-US"/>
               <a:t>Third level</a:t>
             </a:r>
           </a:p>
           <a:p>
             <a:pPr lvl="3"/>
             <a:r>
-              <a:rPr lang="en-US" smtClean="0"/>
+              <a:rPr lang="en-US"/>
               <a:t>Fourth level</a:t>
             </a:r>
           </a:p>
           <a:p>
             <a:pPr lvl="4"/>
             <a:r>
-              <a:rPr lang="en-US" smtClean="0"/>
+              <a:rPr lang="en-US"/>
               <a:t>Fifth level</a:t>
             </a:r>
             <a:endParaRPr lang="pt-PT"/>
@@ -2084,35 +2083,35 @@
           <a:p>
             <a:pPr lvl="0"/>
             <a:r>
-              <a:rPr lang="en-US" smtClean="0"/>
+              <a:rPr lang="en-US"/>
               <a:t>Click to edit Master text styles</a:t>
             </a:r>
           </a:p>
           <a:p>
             <a:pPr lvl="1"/>
             <a:r>
-              <a:rPr lang="en-US" smtClean="0"/>
+              <a:rPr lang="en-US"/>
               <a:t>Second level</a:t>
             </a:r>
           </a:p>
           <a:p>
             <a:pPr lvl="2"/>
             <a:r>
-              <a:rPr lang="en-US" smtClean="0"/>
+              <a:rPr lang="en-US"/>
               <a:t>Third level</a:t>
             </a:r>
           </a:p>
           <a:p>
             <a:pPr lvl="3"/>
             <a:r>
-              <a:rPr lang="en-US" smtClean="0"/>
+              <a:rPr lang="en-US"/>
               <a:t>Fourth level</a:t>
             </a:r>
           </a:p>
           <a:p>
             <a:pPr lvl="4"/>
             <a:r>
-              <a:rPr lang="en-US" smtClean="0"/>
+              <a:rPr lang="en-US"/>
               <a:t>Fifth level</a:t>
             </a:r>
             <a:endParaRPr lang="pt-PT"/>
@@ -2164,7 +2163,7 @@
           </a:lstStyle>
           <a:p>
             <a:r>
-              <a:rPr lang="en-US" smtClean="0"/>
+              <a:rPr lang="en-US"/>
               <a:t>Click to edit Master title style</a:t>
             </a:r>
             <a:endParaRPr lang="pt-PT"/>
@@ -2230,7 +2229,7 @@
           <a:p>
             <a:pPr lvl="0"/>
             <a:r>
-              <a:rPr lang="en-US" smtClean="0"/>
+              <a:rPr lang="en-US"/>
               <a:t>Click to edit Master text styles</a:t>
             </a:r>
           </a:p>
@@ -2286,35 +2285,35 @@
           <a:p>
             <a:pPr lvl="0"/>
             <a:r>
-              <a:rPr lang="en-US" smtClean="0"/>
+              <a:rPr lang="en-US"/>
               <a:t>Click to edit Master text styles</a:t>
             </a:r>
           </a:p>
           <a:p>
             <a:pPr lvl="1"/>
             <a:r>
-              <a:rPr lang="en-US" smtClean="0"/>
+              <a:rPr lang="en-US"/>
               <a:t>Second level</a:t>
             </a:r>
           </a:p>
           <a:p>
             <a:pPr lvl="2"/>
             <a:r>
-              <a:rPr lang="en-US" smtClean="0"/>
+              <a:rPr lang="en-US"/>
               <a:t>Third level</a:t>
             </a:r>
           </a:p>
           <a:p>
             <a:pPr lvl="3"/>
             <a:r>
-              <a:rPr lang="en-US" smtClean="0"/>
+              <a:rPr lang="en-US"/>
               <a:t>Fourth level</a:t>
             </a:r>
           </a:p>
           <a:p>
             <a:pPr lvl="4"/>
             <a:r>
-              <a:rPr lang="en-US" smtClean="0"/>
+              <a:rPr lang="en-US"/>
               <a:t>Fifth level</a:t>
             </a:r>
             <a:endParaRPr lang="pt-PT"/>
@@ -2380,7 +2379,7 @@
           <a:p>
             <a:pPr lvl="0"/>
             <a:r>
-              <a:rPr lang="en-US" smtClean="0"/>
+              <a:rPr lang="en-US"/>
               <a:t>Click to edit Master text styles</a:t>
             </a:r>
           </a:p>
@@ -2436,35 +2435,35 @@
           <a:p>
             <a:pPr lvl="0"/>
             <a:r>
-              <a:rPr lang="en-US" smtClean="0"/>
+              <a:rPr lang="en-US"/>
               <a:t>Click to edit Master text styles</a:t>
             </a:r>
           </a:p>
           <a:p>
             <a:pPr lvl="1"/>
             <a:r>
-              <a:rPr lang="en-US" smtClean="0"/>
+              <a:rPr lang="en-US"/>
               <a:t>Second level</a:t>
             </a:r>
           </a:p>
           <a:p>
             <a:pPr lvl="2"/>
             <a:r>
-              <a:rPr lang="en-US" smtClean="0"/>
+              <a:rPr lang="en-US"/>
               <a:t>Third level</a:t>
             </a:r>
           </a:p>
           <a:p>
             <a:pPr lvl="3"/>
             <a:r>
-              <a:rPr lang="en-US" smtClean="0"/>
+              <a:rPr lang="en-US"/>
               <a:t>Fourth level</a:t>
             </a:r>
           </a:p>
           <a:p>
             <a:pPr lvl="4"/>
             <a:r>
-              <a:rPr lang="en-US" smtClean="0"/>
+              <a:rPr lang="en-US"/>
               <a:t>Fifth level</a:t>
             </a:r>
             <a:endParaRPr lang="pt-PT"/>
@@ -2512,7 +2511,7 @@
           <a:lstStyle/>
           <a:p>
             <a:r>
-              <a:rPr lang="en-US" smtClean="0"/>
+              <a:rPr lang="en-US"/>
               <a:t>Click to edit Master title style</a:t>
             </a:r>
             <a:endParaRPr lang="pt-PT"/>
@@ -2594,7 +2593,7 @@
           </a:lstStyle>
           <a:p>
             <a:r>
-              <a:rPr lang="en-US" smtClean="0"/>
+              <a:rPr lang="en-US"/>
               <a:t>Click to edit Master title style</a:t>
             </a:r>
             <a:endParaRPr lang="pt-PT" dirty="0"/>
@@ -2651,35 +2650,35 @@
           <a:p>
             <a:pPr lvl="0"/>
             <a:r>
-              <a:rPr lang="en-US" smtClean="0"/>
+              <a:rPr lang="en-US"/>
               <a:t>Click to edit Master text styles</a:t>
             </a:r>
           </a:p>
           <a:p>
             <a:pPr lvl="1"/>
             <a:r>
-              <a:rPr lang="en-US" smtClean="0"/>
+              <a:rPr lang="en-US"/>
               <a:t>Second level</a:t>
             </a:r>
           </a:p>
           <a:p>
             <a:pPr lvl="2"/>
             <a:r>
-              <a:rPr lang="en-US" smtClean="0"/>
+              <a:rPr lang="en-US"/>
               <a:t>Third level</a:t>
             </a:r>
           </a:p>
           <a:p>
             <a:pPr lvl="3"/>
             <a:r>
-              <a:rPr lang="en-US" smtClean="0"/>
+              <a:rPr lang="en-US"/>
               <a:t>Fourth level</a:t>
             </a:r>
           </a:p>
           <a:p>
             <a:pPr lvl="4"/>
             <a:r>
-              <a:rPr lang="en-US" smtClean="0"/>
+              <a:rPr lang="en-US"/>
               <a:t>Fifth level</a:t>
             </a:r>
             <a:endParaRPr lang="pt-PT"/>
@@ -2745,7 +2744,7 @@
           <a:p>
             <a:pPr lvl="0"/>
             <a:r>
-              <a:rPr lang="en-US" smtClean="0"/>
+              <a:rPr lang="en-US"/>
               <a:t>Click to edit Master text styles</a:t>
             </a:r>
           </a:p>
@@ -2801,7 +2800,7 @@
           </a:lstStyle>
           <a:p>
             <a:r>
-              <a:rPr lang="en-US" smtClean="0"/>
+              <a:rPr lang="en-US"/>
               <a:t>Click to edit Master title style</a:t>
             </a:r>
             <a:endParaRPr lang="pt-PT"/>
@@ -2866,7 +2865,7 @@
           </a:lstStyle>
           <a:p>
             <a:r>
-              <a:rPr lang="en-US" smtClean="0"/>
+              <a:rPr lang="en-US"/>
               <a:t>Click icon to add picture</a:t>
             </a:r>
             <a:endParaRPr lang="pt-PT"/>
@@ -2932,7 +2931,7 @@
           <a:p>
             <a:pPr lvl="0"/>
             <a:r>
-              <a:rPr lang="en-US" smtClean="0"/>
+              <a:rPr lang="en-US"/>
               <a:t>Click to edit Master text styles</a:t>
             </a:r>
           </a:p>
@@ -2997,7 +2996,7 @@
           <a:lstStyle/>
           <a:p>
             <a:r>
-              <a:rPr lang="en-US" smtClean="0"/>
+              <a:rPr lang="en-US"/>
               <a:t>Click to edit Master title style</a:t>
             </a:r>
             <a:endParaRPr lang="pt-PT" dirty="0"/>
@@ -3031,35 +3030,35 @@
           <a:p>
             <a:pPr lvl="0"/>
             <a:r>
-              <a:rPr lang="en-US" smtClean="0"/>
+              <a:rPr lang="en-US"/>
               <a:t>Click to edit Master text styles</a:t>
             </a:r>
           </a:p>
           <a:p>
             <a:pPr lvl="1"/>
             <a:r>
-              <a:rPr lang="en-US" smtClean="0"/>
+              <a:rPr lang="en-US"/>
               <a:t>Second level</a:t>
             </a:r>
           </a:p>
           <a:p>
             <a:pPr lvl="2"/>
             <a:r>
-              <a:rPr lang="en-US" smtClean="0"/>
+              <a:rPr lang="en-US"/>
               <a:t>Third level</a:t>
             </a:r>
           </a:p>
           <a:p>
             <a:pPr lvl="3"/>
             <a:r>
-              <a:rPr lang="en-US" smtClean="0"/>
+              <a:rPr lang="en-US"/>
               <a:t>Fourth level</a:t>
             </a:r>
           </a:p>
           <a:p>
             <a:pPr lvl="4"/>
             <a:r>
-              <a:rPr lang="en-US" smtClean="0"/>
+              <a:rPr lang="en-US"/>
               <a:t>Fifth level</a:t>
             </a:r>
             <a:endParaRPr lang="pt-PT" dirty="0"/>
@@ -3386,50 +3385,46 @@
           <a:p>
             <a:pPr algn="ctr"/>
             <a:r>
-              <a:rPr lang="pt-PT" sz="4800" b="1" dirty="0" err="1" smtClean="0"/>
+              <a:rPr lang="pt-PT" sz="4800" b="1" dirty="0" err="1"/>
               <a:t>Information</a:t>
             </a:r>
             <a:r>
-              <a:rPr lang="pt-PT" sz="4800" b="1" dirty="0" smtClean="0"/>
+              <a:rPr lang="pt-PT" sz="4800" b="1" dirty="0"/>
               <a:t> </a:t>
             </a:r>
             <a:r>
-              <a:rPr lang="pt-PT" sz="4800" b="1" dirty="0" err="1" smtClean="0"/>
+              <a:rPr lang="pt-PT" sz="4800" b="1" dirty="0" err="1"/>
               <a:t>Visualization</a:t>
             </a:r>
-            <a:r>
-              <a:rPr lang="pt-PT" sz="4800" b="1" dirty="0" smtClean="0"/>
-              <a:t/>
-            </a:r>
             <a:br>
-              <a:rPr lang="pt-PT" sz="4800" b="1" dirty="0" smtClean="0"/>
+              <a:rPr lang="pt-PT" sz="4800" b="1" dirty="0"/>
             </a:br>
             <a:r>
-              <a:rPr lang="pt-PT" sz="4800" dirty="0" err="1" smtClean="0"/>
+              <a:rPr lang="pt-PT" sz="4800" dirty="0" err="1"/>
               <a:t>Project</a:t>
             </a:r>
             <a:r>
-              <a:rPr lang="pt-PT" sz="4800" dirty="0" smtClean="0"/>
+              <a:rPr lang="pt-PT" sz="4800" dirty="0"/>
               <a:t> </a:t>
             </a:r>
             <a:r>
-              <a:rPr lang="pt-PT" sz="4800" dirty="0" err="1" smtClean="0"/>
+              <a:rPr lang="pt-PT" sz="4800" dirty="0" err="1"/>
               <a:t>Proposal</a:t>
             </a:r>
             <a:r>
-              <a:rPr lang="pt-PT" sz="4800" dirty="0" smtClean="0"/>
+              <a:rPr lang="pt-PT" sz="4800" dirty="0"/>
               <a:t> </a:t>
             </a:r>
             <a:r>
-              <a:rPr lang="pt-PT" sz="4800" dirty="0" err="1" smtClean="0"/>
+              <a:rPr lang="pt-PT" sz="4800" dirty="0" err="1"/>
               <a:t>and</a:t>
             </a:r>
             <a:r>
-              <a:rPr lang="pt-PT" sz="4800" dirty="0" smtClean="0"/>
+              <a:rPr lang="pt-PT" sz="4800" dirty="0"/>
               <a:t> </a:t>
             </a:r>
             <a:r>
-              <a:rPr lang="pt-PT" sz="4800" dirty="0" err="1" smtClean="0"/>
+              <a:rPr lang="pt-PT" sz="4800" dirty="0" err="1"/>
               <a:t>Dataset</a:t>
             </a:r>
             <a:endParaRPr lang="pt-PT" sz="4800" dirty="0"/>
@@ -3460,7 +3455,7 @@
           <a:lstStyle/>
           <a:p>
             <a:r>
-              <a:rPr lang="pt-PT" sz="4600" dirty="0" smtClean="0">
+              <a:rPr lang="pt-PT" sz="4600" dirty="0">
                 <a:solidFill>
                   <a:schemeClr val="bg2"/>
                 </a:solidFill>
@@ -3637,7 +3632,7 @@
           <a:p>
             <a:pPr algn="l"/>
             <a:r>
-              <a:rPr lang="pt-PT" sz="2400" b="0" dirty="0" smtClean="0">
+              <a:rPr lang="pt-PT" sz="2400" b="0" dirty="0">
                 <a:solidFill>
                   <a:schemeClr val="bg2"/>
                 </a:solidFill>
@@ -3648,34 +3643,24 @@
           <a:p>
             <a:pPr algn="l"/>
             <a:r>
-              <a:rPr lang="pt-PT" sz="2400" b="0" dirty="0" smtClean="0">
+              <a:rPr lang="pt-PT" sz="2400" b="0" dirty="0">
                 <a:solidFill>
                   <a:schemeClr val="bg2"/>
                 </a:solidFill>
               </a:rPr>
               <a:t>75456 – Artur Fonseca</a:t>
             </a:r>
-            <a:endParaRPr lang="pt-PT" sz="2400" b="0" dirty="0">
-              <a:solidFill>
-                <a:schemeClr val="bg2"/>
-              </a:solidFill>
-            </a:endParaRPr>
           </a:p>
           <a:p>
             <a:pPr algn="l"/>
             <a:r>
-              <a:rPr lang="pt-PT" sz="2400" b="0" dirty="0" smtClean="0">
+              <a:rPr lang="pt-PT" sz="2400" b="0" dirty="0">
                 <a:solidFill>
                   <a:schemeClr val="bg2"/>
                 </a:solidFill>
               </a:rPr>
               <a:t>76046 – André Pires</a:t>
             </a:r>
-            <a:endParaRPr lang="pt-PT" sz="2400" b="0" dirty="0">
-              <a:solidFill>
-                <a:schemeClr val="bg2"/>
-              </a:solidFill>
-            </a:endParaRPr>
           </a:p>
         </p:txBody>
       </p:sp>
@@ -3684,13 +3669,6 @@
   <p:clrMapOvr>
     <a:masterClrMapping/>
   </p:clrMapOvr>
-  <p:timing>
-    <p:tnLst>
-      <p:par>
-        <p:cTn id="1" dur="indefinite" restart="never" nodeType="tmRoot"/>
-      </p:par>
-    </p:tnLst>
-  </p:timing>
 </p:sld>
 </file>
 
@@ -3727,7 +3705,7 @@
           <a:lstStyle/>
           <a:p>
             <a:r>
-              <a:rPr lang="en-US" dirty="0" smtClean="0"/>
+              <a:rPr lang="en-US" dirty="0"/>
               <a:t>Questions</a:t>
             </a:r>
             <a:endParaRPr lang="pt-PT" dirty="0"/>
@@ -3746,7 +3724,7 @@
         </p:nvSpPr>
         <p:spPr>
           <a:xfrm>
-            <a:off x="457200" y="1094346"/>
+            <a:off x="457184" y="980728"/>
             <a:ext cx="8229600" cy="5214974"/>
           </a:xfrm>
         </p:spPr>
@@ -3769,25 +3747,9 @@
                   <a:srgbClr val="336699"/>
                 </a:solidFill>
               </a:rPr>
-              <a:t>Does Computer Science graduates in IST have more unemployment, in 2015, than Computer Science in ISEL? </a:t>
-            </a:r>
-            <a:r>
-              <a:rPr lang="en-GB" sz="2700" b="1" dirty="0">
-                <a:solidFill>
-                  <a:srgbClr val="336699"/>
-                </a:solidFill>
-              </a:rPr>
-              <a:t>And in 2007</a:t>
-            </a:r>
-            <a:r>
-              <a:rPr lang="en-GB" sz="2700" b="1" dirty="0" smtClean="0">
-                <a:solidFill>
-                  <a:srgbClr val="336699"/>
-                </a:solidFill>
-              </a:rPr>
-              <a:t>?</a:t>
-            </a:r>
-            <a:endParaRPr lang="en-US" sz="2700" b="1" dirty="0" smtClean="0">
+              <a:t>Does Computer Science graduates in IST have more unemployment, in 2015, than Computer Science in ISEL? And in 2007? (Task 1)</a:t>
+            </a:r>
+            <a:endParaRPr lang="en-US" sz="2700" b="1" dirty="0">
               <a:solidFill>
                 <a:srgbClr val="336699"/>
               </a:solidFill>
@@ -3807,21 +3769,8 @@
                   <a:srgbClr val="336699"/>
                 </a:solidFill>
               </a:rPr>
-              <a:t>Is Computer Science in IST having less unemployed graduates in last </a:t>
-            </a:r>
-            <a:r>
-              <a:rPr lang="en-GB" sz="2700" b="1" dirty="0" smtClean="0">
-                <a:solidFill>
-                  <a:srgbClr val="336699"/>
-                </a:solidFill>
-              </a:rPr>
-              <a:t>years?</a:t>
-            </a:r>
-            <a:endParaRPr lang="en-GB" sz="2700" b="1" dirty="0">
-              <a:solidFill>
-                <a:srgbClr val="336699"/>
-              </a:solidFill>
-            </a:endParaRPr>
+              <a:t>Is Computer Science in IST having less unemployed graduates in last years? (Task 2)</a:t>
+            </a:r>
           </a:p>
           <a:p>
             <a:pPr marL="571500" lvl="3" indent="-571500">
@@ -3832,28 +3781,12 @@
               <a:buChar char="•"/>
             </a:pPr>
             <a:r>
-              <a:rPr lang="en-GB" sz="2700" b="1" dirty="0" smtClean="0">
-                <a:solidFill>
-                  <a:srgbClr val="336699"/>
-                </a:solidFill>
-              </a:rPr>
-              <a:t>What </a:t>
-            </a:r>
-            <a:r>
               <a:rPr lang="en-GB" sz="2700" b="1" dirty="0">
                 <a:solidFill>
                   <a:srgbClr val="336699"/>
                 </a:solidFill>
               </a:rPr>
-              <a:t>was the year which had less unemployed people from Computer Science in IST</a:t>
-            </a:r>
-            <a:r>
-              <a:rPr lang="en-GB" sz="2700" b="1" dirty="0" smtClean="0">
-                <a:solidFill>
-                  <a:srgbClr val="336699"/>
-                </a:solidFill>
-              </a:rPr>
-              <a:t>?</a:t>
+              <a:t>What was the year which had less unemployed people from Computer Science in IST? (Task 2)</a:t>
             </a:r>
           </a:p>
           <a:p>
@@ -3870,15 +3803,7 @@
                   <a:srgbClr val="336699"/>
                 </a:solidFill>
               </a:rPr>
-              <a:t>What is the university with more unemployment</a:t>
-            </a:r>
-            <a:r>
-              <a:rPr lang="en-GB" sz="2700" b="1" dirty="0" smtClean="0">
-                <a:solidFill>
-                  <a:srgbClr val="336699"/>
-                </a:solidFill>
-              </a:rPr>
-              <a:t>?</a:t>
+              <a:t>What is the university with more unemployment? (Task 3)</a:t>
             </a:r>
           </a:p>
           <a:p>
@@ -3895,16 +3820,22 @@
                   <a:srgbClr val="336699"/>
                 </a:solidFill>
               </a:rPr>
-              <a:t>Where the unemployment will be higher? In a course with 14 minimum entry grade or one with 17</a:t>
-            </a:r>
-            <a:r>
-              <a:rPr lang="en-GB" sz="2700" b="1" dirty="0" smtClean="0">
-                <a:solidFill>
-                  <a:srgbClr val="336699"/>
-                </a:solidFill>
-              </a:rPr>
-              <a:t>?</a:t>
-            </a:r>
+              <a:t>Where the unemployment will be higher? In a course with 14 minimum entry grade or one with 17? (Task 4)</a:t>
+            </a:r>
+            <a:endParaRPr lang="en-US" sz="2700" b="1" dirty="0">
+              <a:solidFill>
+                <a:srgbClr val="336699"/>
+              </a:solidFill>
+            </a:endParaRPr>
+          </a:p>
+          <a:p>
+            <a:pPr marL="571500" lvl="3" indent="-571500">
+              <a:spcBef>
+                <a:spcPts val="1800"/>
+              </a:spcBef>
+              <a:buFont typeface="Arial" panose="020B0604020202020204" pitchFamily="34" charset="0"/>
+              <a:buChar char="•"/>
+            </a:pPr>
             <a:endParaRPr lang="en-GB" sz="2700" b="1" dirty="0">
               <a:solidFill>
                 <a:srgbClr val="336699"/>
@@ -3923,13 +3854,6 @@
   <p:clrMapOvr>
     <a:masterClrMapping/>
   </p:clrMapOvr>
-  <p:timing>
-    <p:tnLst>
-      <p:par>
-        <p:cTn id="1" dur="indefinite" restart="never" nodeType="tmRoot"/>
-      </p:par>
-    </p:tnLst>
-  </p:timing>
 </p:sld>
 </file>
 
@@ -3985,10 +3909,9 @@
           <a:lstStyle/>
           <a:p>
             <a:r>
-              <a:rPr lang="pt-PT" sz="16600" dirty="0" smtClean="0"/>
+              <a:rPr lang="pt-PT" sz="16600" dirty="0"/>
               <a:t>05</a:t>
             </a:r>
-            <a:endParaRPr lang="pt-PT" sz="16600" dirty="0"/>
           </a:p>
         </p:txBody>
       </p:sp>
@@ -4021,10 +3944,9 @@
           <a:p>
             <a:pPr marL="0" algn="r"/>
             <a:r>
-              <a:rPr lang="pt-PT" sz="6000" dirty="0" smtClean="0"/>
+              <a:rPr lang="pt-PT" sz="6000" dirty="0"/>
               <a:t>Data Sample</a:t>
             </a:r>
-            <a:endParaRPr lang="pt-PT" sz="6000" dirty="0"/>
           </a:p>
         </p:txBody>
       </p:sp>
@@ -4038,13 +3960,6 @@
   <p:clrMapOvr>
     <a:masterClrMapping/>
   </p:clrMapOvr>
-  <p:timing>
-    <p:tnLst>
-      <p:par>
-        <p:cTn id="1" dur="indefinite" restart="never" nodeType="tmRoot"/>
-      </p:par>
-    </p:tnLst>
-  </p:timing>
 </p:sld>
 </file>
 
@@ -4081,7 +3996,7 @@
           <a:lstStyle/>
           <a:p>
             <a:r>
-              <a:rPr lang="en-US" dirty="0" smtClean="0"/>
+              <a:rPr lang="en-US" dirty="0"/>
               <a:t>Data Sample</a:t>
             </a:r>
             <a:endParaRPr lang="pt-PT" dirty="0"/>
@@ -4111,7 +4026,7 @@
           <a:lstStyle/>
           <a:p>
             <a:r>
-              <a:rPr lang="en-US" sz="1500" dirty="0" smtClean="0">
+              <a:rPr lang="en-US" sz="1500" dirty="0">
                 <a:solidFill>
                   <a:schemeClr val="tx1"/>
                 </a:solidFill>
@@ -4121,16 +4036,6 @@
               <a:t>(</a:t>
             </a:r>
             <a:r>
-              <a:rPr lang="pt-PT" sz="1500" dirty="0" smtClean="0">
-                <a:solidFill>
-                  <a:schemeClr val="tx1"/>
-                </a:solidFill>
-                <a:latin typeface="Courier New" panose="02070309020205020404" pitchFamily="49" charset="0"/>
-                <a:cs typeface="Courier New" panose="02070309020205020404" pitchFamily="49" charset="0"/>
-              </a:rPr>
-              <a:t>from </a:t>
-            </a:r>
-            <a:r>
               <a:rPr lang="pt-PT" sz="1500" dirty="0">
                 <a:solidFill>
                   <a:schemeClr val="tx1"/>
@@ -4138,7 +4043,7 @@
                 <a:latin typeface="Courier New" panose="02070309020205020404" pitchFamily="49" charset="0"/>
                 <a:cs typeface="Courier New" panose="02070309020205020404" pitchFamily="49" charset="0"/>
               </a:rPr>
-              <a:t>“Unemployment2014.csv”)</a:t>
+              <a:t>from “Unemployment2014.csv”)</a:t>
             </a:r>
           </a:p>
           <a:p>
@@ -4150,17 +4055,7 @@
                 <a:latin typeface="Courier New" panose="02070309020205020404" pitchFamily="49" charset="0"/>
                 <a:cs typeface="Courier New" panose="02070309020205020404" pitchFamily="49" charset="0"/>
               </a:rPr>
-              <a:t>University; Course; Degree; Total Unemployed; Total </a:t>
-            </a:r>
-            <a:r>
-              <a:rPr lang="en-US" sz="1500" b="0" dirty="0" smtClean="0">
-                <a:solidFill>
-                  <a:schemeClr val="tx1"/>
-                </a:solidFill>
-                <a:latin typeface="Courier New" panose="02070309020205020404" pitchFamily="49" charset="0"/>
-                <a:cs typeface="Courier New" panose="02070309020205020404" pitchFamily="49" charset="0"/>
-              </a:rPr>
-              <a:t>Graduates</a:t>
+              <a:t>University; Course; Degree; Total Unemployed; Total Graduates</a:t>
             </a:r>
             <a:endParaRPr lang="pt-PT" sz="1500" b="0" dirty="0">
               <a:solidFill>
@@ -4172,16 +4067,6 @@
           </a:p>
           <a:p>
             <a:r>
-              <a:rPr lang="pt-PT" sz="1500" b="0" dirty="0" smtClean="0">
-                <a:solidFill>
-                  <a:schemeClr val="tx1"/>
-                </a:solidFill>
-                <a:latin typeface="Courier New" panose="02070309020205020404" pitchFamily="49" charset="0"/>
-                <a:cs typeface="Courier New" panose="02070309020205020404" pitchFamily="49" charset="0"/>
-              </a:rPr>
-              <a:t>IST</a:t>
-            </a:r>
-            <a:r>
               <a:rPr lang="pt-PT" sz="1500" b="0" dirty="0">
                 <a:solidFill>
                   <a:schemeClr val="tx1"/>
@@ -4189,30 +4074,10 @@
                 <a:latin typeface="Courier New" panose="02070309020205020404" pitchFamily="49" charset="0"/>
                 <a:cs typeface="Courier New" panose="02070309020205020404" pitchFamily="49" charset="0"/>
               </a:rPr>
-              <a:t>; Engenharia Informática e de Computadores; Licenciatura; 20; </a:t>
-            </a:r>
-            <a:r>
-              <a:rPr lang="pt-PT" sz="1500" b="0" dirty="0" smtClean="0">
-                <a:solidFill>
-                  <a:schemeClr val="tx1"/>
-                </a:solidFill>
-                <a:latin typeface="Courier New" panose="02070309020205020404" pitchFamily="49" charset="0"/>
-                <a:cs typeface="Courier New" panose="02070309020205020404" pitchFamily="49" charset="0"/>
-              </a:rPr>
-              <a:t>800;</a:t>
-            </a:r>
-          </a:p>
-          <a:p>
-            <a:r>
-              <a:rPr lang="pt-PT" sz="1500" b="0" dirty="0" smtClean="0">
-                <a:solidFill>
-                  <a:schemeClr val="tx1"/>
-                </a:solidFill>
-                <a:latin typeface="Courier New" panose="02070309020205020404" pitchFamily="49" charset="0"/>
-                <a:cs typeface="Courier New" panose="02070309020205020404" pitchFamily="49" charset="0"/>
-              </a:rPr>
-              <a:t>ISEL</a:t>
-            </a:r>
+              <a:t>IST; Engenharia Informática e de Computadores; Licenciatura; 20; 800;</a:t>
+            </a:r>
+          </a:p>
+          <a:p>
             <a:r>
               <a:rPr lang="pt-PT" sz="1500" b="0" dirty="0">
                 <a:solidFill>
@@ -4221,17 +4086,7 @@
                 <a:latin typeface="Courier New" panose="02070309020205020404" pitchFamily="49" charset="0"/>
                 <a:cs typeface="Courier New" panose="02070309020205020404" pitchFamily="49" charset="0"/>
               </a:rPr>
-              <a:t>; Engenharia Informática e de Computadores; Licenciatura; 30; 500</a:t>
-            </a:r>
-            <a:r>
-              <a:rPr lang="pt-PT" sz="1500" b="0" dirty="0" smtClean="0">
-                <a:solidFill>
-                  <a:schemeClr val="tx1"/>
-                </a:solidFill>
-                <a:latin typeface="Courier New" panose="02070309020205020404" pitchFamily="49" charset="0"/>
-                <a:cs typeface="Courier New" panose="02070309020205020404" pitchFamily="49" charset="0"/>
-              </a:rPr>
-              <a:t>;</a:t>
+              <a:t>ISEL; Engenharia Informática e de Computadores; Licenciatura; 30; 500;</a:t>
             </a:r>
           </a:p>
           <a:p>
@@ -4302,17 +4157,7 @@
                 <a:latin typeface="Courier New" panose="02070309020205020404" pitchFamily="49" charset="0"/>
                 <a:cs typeface="Courier New" panose="02070309020205020404" pitchFamily="49" charset="0"/>
               </a:rPr>
-              <a:t>ISEL; Engenharia Informática e de Computadores; Licenciatura; 40; 650</a:t>
-            </a:r>
-            <a:r>
-              <a:rPr lang="pt-PT" sz="1500" b="0" dirty="0" smtClean="0">
-                <a:solidFill>
-                  <a:schemeClr val="tx1"/>
-                </a:solidFill>
-                <a:latin typeface="Courier New" panose="02070309020205020404" pitchFamily="49" charset="0"/>
-                <a:cs typeface="Courier New" panose="02070309020205020404" pitchFamily="49" charset="0"/>
-              </a:rPr>
-              <a:t>;</a:t>
+              <a:t>ISEL; Engenharia Informática e de Computadores; Licenciatura; 40; 650;</a:t>
             </a:r>
           </a:p>
           <a:p>
@@ -4371,25 +4216,8 @@
                 <a:latin typeface="Courier New" panose="02070309020205020404" pitchFamily="49" charset="0"/>
                 <a:cs typeface="Courier New" panose="02070309020205020404" pitchFamily="49" charset="0"/>
               </a:rPr>
-              <a:t>IST; Engenharia Informática e de Computadores; Licenciatura; </a:t>
-            </a:r>
-            <a:r>
-              <a:rPr lang="pt-PT" sz="1500" b="0" dirty="0" smtClean="0">
-                <a:solidFill>
-                  <a:schemeClr val="tx1"/>
-                </a:solidFill>
-                <a:latin typeface="Courier New" panose="02070309020205020404" pitchFamily="49" charset="0"/>
-                <a:cs typeface="Courier New" panose="02070309020205020404" pitchFamily="49" charset="0"/>
-              </a:rPr>
-              <a:t>16.7</a:t>
-            </a:r>
-            <a:endParaRPr lang="pt-PT" sz="1500" b="0" dirty="0">
-              <a:solidFill>
-                <a:schemeClr val="tx1"/>
-              </a:solidFill>
-              <a:latin typeface="Courier New" panose="02070309020205020404" pitchFamily="49" charset="0"/>
-              <a:cs typeface="Courier New" panose="02070309020205020404" pitchFamily="49" charset="0"/>
-            </a:endParaRPr>
+              <a:t>IST; Engenharia Informática e de Computadores; Licenciatura; 16.7</a:t>
+            </a:r>
           </a:p>
         </p:txBody>
       </p:sp>
@@ -4403,13 +4231,6 @@
   <p:clrMapOvr>
     <a:masterClrMapping/>
   </p:clrMapOvr>
-  <p:timing>
-    <p:tnLst>
-      <p:par>
-        <p:cTn id="1" dur="indefinite" restart="never" nodeType="tmRoot"/>
-      </p:par>
-    </p:tnLst>
-  </p:timing>
 </p:sld>
 </file>
 
@@ -4465,10 +4286,9 @@
           <a:lstStyle/>
           <a:p>
             <a:r>
-              <a:rPr lang="pt-PT" sz="16600" dirty="0" smtClean="0"/>
+              <a:rPr lang="pt-PT" sz="16600" dirty="0"/>
               <a:t>01</a:t>
             </a:r>
-            <a:endParaRPr lang="pt-PT" sz="16600" dirty="0"/>
           </a:p>
         </p:txBody>
       </p:sp>
@@ -4501,10 +4321,9 @@
           <a:p>
             <a:pPr marL="0" algn="r"/>
             <a:r>
-              <a:rPr lang="pt-PT" sz="6000" dirty="0" smtClean="0"/>
+              <a:rPr lang="pt-PT" sz="6000" dirty="0"/>
               <a:t>DOMAIN</a:t>
             </a:r>
-            <a:endParaRPr lang="pt-PT" sz="6000" dirty="0"/>
           </a:p>
         </p:txBody>
       </p:sp>
@@ -4513,13 +4332,6 @@
   <p:clrMapOvr>
     <a:masterClrMapping/>
   </p:clrMapOvr>
-  <p:timing>
-    <p:tnLst>
-      <p:par>
-        <p:cTn id="1" dur="indefinite" restart="never" nodeType="tmRoot"/>
-      </p:par>
-    </p:tnLst>
-  </p:timing>
 </p:sld>
 </file>
 
@@ -4556,7 +4368,7 @@
           <a:lstStyle/>
           <a:p>
             <a:r>
-              <a:rPr lang="en-US" dirty="0" smtClean="0"/>
+              <a:rPr lang="en-US" dirty="0"/>
               <a:t>Domain</a:t>
             </a:r>
             <a:endParaRPr lang="pt-PT" dirty="0"/>
@@ -4581,29 +4393,25 @@
           <a:lstStyle/>
           <a:p>
             <a:r>
-              <a:rPr lang="en-US" sz="4000" dirty="0" smtClean="0"/>
-              <a:t>High level </a:t>
-            </a:r>
-            <a:r>
-              <a:rPr lang="en-US" sz="4000" dirty="0" smtClean="0"/>
-              <a:t>description</a:t>
+              <a:rPr lang="en-US" sz="4000" dirty="0"/>
+              <a:t>High level description</a:t>
             </a:r>
           </a:p>
           <a:p>
             <a:pPr lvl="1"/>
             <a:r>
-              <a:rPr lang="en-GB" sz="3600" dirty="0" smtClean="0"/>
+              <a:rPr lang="en-GB" sz="3600" dirty="0"/>
               <a:t>The </a:t>
             </a:r>
             <a:r>
-              <a:rPr lang="en-GB" sz="3600" b="1" dirty="0" smtClean="0"/>
+              <a:rPr lang="en-GB" sz="3600" b="1" dirty="0"/>
               <a:t>employment/unemployment</a:t>
             </a:r>
             <a:r>
-              <a:rPr lang="en-GB" sz="3600" dirty="0" smtClean="0"/>
+              <a:rPr lang="en-GB" sz="3600" dirty="0"/>
               <a:t> of higher education courses from all the public and private universities of Portugal</a:t>
             </a:r>
-            <a:endParaRPr lang="pt-PT" sz="3600" dirty="0" smtClean="0"/>
+            <a:endParaRPr lang="pt-PT" sz="3600" dirty="0"/>
           </a:p>
         </p:txBody>
       </p:sp>
@@ -4658,13 +4466,6 @@
   <p:clrMapOvr>
     <a:masterClrMapping/>
   </p:clrMapOvr>
-  <p:timing>
-    <p:tnLst>
-      <p:par>
-        <p:cTn id="1" dur="indefinite" restart="never" nodeType="tmRoot"/>
-      </p:par>
-    </p:tnLst>
-  </p:timing>
 </p:sld>
 </file>
 
@@ -4720,10 +4521,9 @@
           <a:lstStyle/>
           <a:p>
             <a:r>
-              <a:rPr lang="pt-PT" sz="16600" dirty="0" smtClean="0"/>
+              <a:rPr lang="pt-PT" sz="16600" dirty="0"/>
               <a:t>02</a:t>
             </a:r>
-            <a:endParaRPr lang="pt-PT" sz="16600" dirty="0"/>
           </a:p>
         </p:txBody>
       </p:sp>
@@ -4756,10 +4556,9 @@
           <a:p>
             <a:pPr marL="0" algn="r"/>
             <a:r>
-              <a:rPr lang="pt-PT" sz="6000" dirty="0" smtClean="0"/>
+              <a:rPr lang="pt-PT" sz="6000" dirty="0"/>
               <a:t>DATASET</a:t>
             </a:r>
-            <a:endParaRPr lang="pt-PT" sz="6000" dirty="0"/>
           </a:p>
         </p:txBody>
       </p:sp>
@@ -4773,13 +4572,6 @@
   <p:clrMapOvr>
     <a:masterClrMapping/>
   </p:clrMapOvr>
-  <p:timing>
-    <p:tnLst>
-      <p:par>
-        <p:cTn id="1" dur="indefinite" restart="never" nodeType="tmRoot"/>
-      </p:par>
-    </p:tnLst>
-  </p:timing>
 </p:sld>
 </file>
 
@@ -4816,7 +4608,7 @@
           <a:lstStyle/>
           <a:p>
             <a:r>
-              <a:rPr lang="en-US" dirty="0" smtClean="0"/>
+              <a:rPr lang="en-US" dirty="0"/>
               <a:t>Dataset</a:t>
             </a:r>
             <a:endParaRPr lang="pt-PT" dirty="0"/>
@@ -4841,49 +4633,21 @@
           <a:lstStyle/>
           <a:p>
             <a:r>
-              <a:rPr lang="en-US" sz="4000" dirty="0" smtClean="0"/>
+              <a:rPr lang="en-US" sz="4000" dirty="0"/>
               <a:t>Dataset description</a:t>
             </a:r>
           </a:p>
           <a:p>
             <a:pPr lvl="1"/>
             <a:r>
-              <a:rPr lang="en-GB" sz="3600" dirty="0" smtClean="0"/>
-              <a:t>A </a:t>
-            </a:r>
-            <a:r>
               <a:rPr lang="en-GB" sz="3600" dirty="0"/>
-              <a:t>set </a:t>
-            </a:r>
+              <a:t>A set of documents (excel format) provided by DGEEC with the information about all the courses and the respective year</a:t>
+            </a:r>
+          </a:p>
+          <a:p>
+            <a:pPr lvl="1"/>
             <a:r>
               <a:rPr lang="en-GB" sz="3600" dirty="0"/>
-              <a:t>of documents </a:t>
-            </a:r>
-            <a:r>
-              <a:rPr lang="en-GB" sz="3600" dirty="0" smtClean="0"/>
-              <a:t>(excel format) provided </a:t>
-            </a:r>
-            <a:r>
-              <a:rPr lang="en-GB" sz="3600" dirty="0"/>
-              <a:t>by DGEEC </a:t>
-            </a:r>
-            <a:r>
-              <a:rPr lang="en-GB" sz="3600" dirty="0" smtClean="0"/>
-              <a:t>with </a:t>
-            </a:r>
-            <a:r>
-              <a:rPr lang="en-GB" sz="3600" dirty="0"/>
-              <a:t>the information about all the courses and the respective </a:t>
-            </a:r>
-            <a:r>
-              <a:rPr lang="en-GB" sz="3600" dirty="0" smtClean="0"/>
-              <a:t>year</a:t>
-            </a:r>
-          </a:p>
-          <a:p>
-            <a:pPr lvl="1"/>
-            <a:r>
-              <a:rPr lang="en-GB" sz="3600" dirty="0" smtClean="0"/>
               <a:t>Available at DGEEC website</a:t>
             </a:r>
             <a:endParaRPr lang="en-US" sz="3600" dirty="0"/>
@@ -4941,13 +4705,6 @@
   <p:clrMapOvr>
     <a:masterClrMapping/>
   </p:clrMapOvr>
-  <p:timing>
-    <p:tnLst>
-      <p:par>
-        <p:cTn id="1" dur="indefinite" restart="never" nodeType="tmRoot"/>
-      </p:par>
-    </p:tnLst>
-  </p:timing>
 </p:sld>
 </file>
 
@@ -5003,10 +4760,9 @@
           <a:lstStyle/>
           <a:p>
             <a:r>
-              <a:rPr lang="pt-PT" sz="16600" dirty="0" smtClean="0"/>
+              <a:rPr lang="pt-PT" sz="16600" dirty="0"/>
               <a:t>03</a:t>
             </a:r>
-            <a:endParaRPr lang="pt-PT" sz="16600" dirty="0"/>
           </a:p>
         </p:txBody>
       </p:sp>
@@ -5039,10 +4795,9 @@
           <a:p>
             <a:pPr marL="0" algn="r"/>
             <a:r>
-              <a:rPr lang="pt-PT" sz="6000" dirty="0" smtClean="0"/>
+              <a:rPr lang="pt-PT" sz="6000" dirty="0"/>
               <a:t>TASKS</a:t>
             </a:r>
-            <a:endParaRPr lang="pt-PT" sz="6000" dirty="0"/>
           </a:p>
         </p:txBody>
       </p:sp>
@@ -5056,13 +4811,6 @@
   <p:clrMapOvr>
     <a:masterClrMapping/>
   </p:clrMapOvr>
-  <p:timing>
-    <p:tnLst>
-      <p:par>
-        <p:cTn id="1" dur="indefinite" restart="never" nodeType="tmRoot"/>
-      </p:par>
-    </p:tnLst>
-  </p:timing>
 </p:sld>
 </file>
 
@@ -5099,7 +4847,7 @@
           <a:lstStyle/>
           <a:p>
             <a:r>
-              <a:rPr lang="en-US" dirty="0" smtClean="0"/>
+              <a:rPr lang="en-US" dirty="0"/>
               <a:t>Tasks</a:t>
             </a:r>
             <a:endParaRPr lang="pt-PT" dirty="0"/>
@@ -5129,7 +4877,7 @@
           <a:lstStyle/>
           <a:p>
             <a:r>
-              <a:rPr lang="en-US" sz="3600" dirty="0" smtClean="0"/>
+              <a:rPr lang="en-US" sz="3600" dirty="0"/>
               <a:t>Task 1</a:t>
             </a:r>
           </a:p>
@@ -5139,7 +4887,7 @@
               <a:rPr lang="en-GB" sz="3200" dirty="0"/>
               <a:t>Query Compare</a:t>
             </a:r>
-            <a:endParaRPr lang="en-US" sz="3200" dirty="0" smtClean="0"/>
+            <a:endParaRPr lang="en-US" sz="3200" dirty="0"/>
           </a:p>
           <a:p>
             <a:pPr lvl="1"/>
@@ -5147,18 +4895,13 @@
               <a:rPr lang="en-GB" sz="3200" dirty="0"/>
               <a:t>Compare the unemployment (%) of different courses (regardless of course conclusion year of the graduates)</a:t>
             </a:r>
-            <a:endParaRPr lang="en-US" sz="3200" dirty="0" smtClean="0"/>
+            <a:endParaRPr lang="en-US" sz="3200" dirty="0"/>
           </a:p>
           <a:p>
             <a:r>
               <a:rPr lang="en-US" sz="3600" dirty="0"/>
-              <a:t>Task </a:t>
-            </a:r>
-            <a:r>
-              <a:rPr lang="en-US" sz="3600" dirty="0" smtClean="0"/>
-              <a:t>2</a:t>
-            </a:r>
-            <a:endParaRPr lang="en-US" sz="3600" dirty="0"/>
+              <a:t>Task 2</a:t>
+            </a:r>
           </a:p>
           <a:p>
             <a:pPr lvl="1"/>
@@ -5172,19 +4915,7 @@
             <a:pPr lvl="1"/>
             <a:r>
               <a:rPr lang="en-GB" sz="3200" dirty="0"/>
-              <a:t>Present the information </a:t>
-            </a:r>
-            <a:r>
-              <a:rPr lang="en-GB" sz="3200" dirty="0" smtClean="0"/>
-              <a:t>about unemployment </a:t>
-            </a:r>
-            <a:r>
-              <a:rPr lang="en-GB" sz="3200" dirty="0"/>
-              <a:t>(%) from a specific course graduates across </a:t>
-            </a:r>
-            <a:r>
-              <a:rPr lang="en-GB" sz="3200" dirty="0" smtClean="0"/>
-              <a:t>time</a:t>
+              <a:t>Present the information about unemployment (%) from a specific course graduates across time</a:t>
             </a:r>
             <a:endParaRPr lang="pt-PT" sz="3200" dirty="0"/>
           </a:p>
@@ -5200,13 +4931,6 @@
   <p:clrMapOvr>
     <a:masterClrMapping/>
   </p:clrMapOvr>
-  <p:timing>
-    <p:tnLst>
-      <p:par>
-        <p:cTn id="1" dur="indefinite" restart="never" nodeType="tmRoot"/>
-      </p:par>
-    </p:tnLst>
-  </p:timing>
 </p:sld>
 </file>
 
@@ -5243,7 +4967,7 @@
           <a:lstStyle/>
           <a:p>
             <a:r>
-              <a:rPr lang="en-US" dirty="0" smtClean="0"/>
+              <a:rPr lang="en-US" dirty="0"/>
               <a:t>Tasks</a:t>
             </a:r>
             <a:endParaRPr lang="pt-PT" dirty="0"/>
@@ -5273,19 +4997,14 @@
           <a:lstStyle/>
           <a:p>
             <a:r>
-              <a:rPr lang="en-US" sz="3600" dirty="0" smtClean="0"/>
-              <a:t>Task </a:t>
-            </a:r>
-            <a:r>
-              <a:rPr lang="en-US" sz="3600" dirty="0" smtClean="0"/>
-              <a:t>3</a:t>
-            </a:r>
-            <a:endParaRPr lang="en-US" sz="3600" dirty="0" smtClean="0"/>
+              <a:rPr lang="en-US" sz="3600" dirty="0"/>
+              <a:t>Task 3</a:t>
+            </a:r>
           </a:p>
           <a:p>
             <a:pPr lvl="1"/>
             <a:r>
-              <a:rPr lang="en-GB" sz="3200" dirty="0" smtClean="0"/>
+              <a:rPr lang="en-GB" sz="3200" dirty="0"/>
               <a:t>Query Identify</a:t>
             </a:r>
           </a:p>
@@ -5293,45 +5012,28 @@
             <a:pPr lvl="1"/>
             <a:r>
               <a:rPr lang="en-GB" sz="3200" dirty="0"/>
-              <a:t>Identify the university with </a:t>
-            </a:r>
-            <a:r>
-              <a:rPr lang="en-GB" sz="3200" dirty="0" smtClean="0"/>
-              <a:t>more unemployment </a:t>
-            </a:r>
+              <a:t>Identify the university with more unemployment (%)</a:t>
+            </a:r>
+            <a:endParaRPr lang="en-US" sz="3200" dirty="0"/>
+          </a:p>
+          <a:p>
+            <a:r>
+              <a:rPr lang="en-US" sz="3600" dirty="0"/>
+              <a:t>Task 4</a:t>
+            </a:r>
+          </a:p>
+          <a:p>
+            <a:pPr lvl="1"/>
             <a:r>
               <a:rPr lang="en-GB" sz="3200" dirty="0"/>
-              <a:t>(%)</a:t>
-            </a:r>
-            <a:endParaRPr lang="en-US" sz="3200" dirty="0" smtClean="0"/>
-          </a:p>
-          <a:p>
-            <a:r>
-              <a:rPr lang="en-US" sz="3600" dirty="0"/>
-              <a:t>Task </a:t>
-            </a:r>
-            <a:r>
-              <a:rPr lang="en-US" sz="3600" dirty="0"/>
-              <a:t>4</a:t>
-            </a:r>
-            <a:endParaRPr lang="en-US" sz="3600" dirty="0" smtClean="0"/>
+              <a:t>Consume Present</a:t>
+            </a:r>
           </a:p>
           <a:p>
             <a:pPr lvl="1"/>
             <a:r>
-              <a:rPr lang="en-GB" sz="3200" dirty="0" smtClean="0"/>
-              <a:t>Consume Present</a:t>
-            </a:r>
-          </a:p>
-          <a:p>
-            <a:pPr lvl="1"/>
-            <a:r>
-              <a:rPr lang="en-GB" sz="3200" dirty="0" smtClean="0"/>
-              <a:t>Relation </a:t>
-            </a:r>
-            <a:r>
               <a:rPr lang="en-GB" sz="3200" dirty="0"/>
-              <a:t>between minimum entry grade and unemployment (%)</a:t>
+              <a:t>Relation between minimum entry grade and unemployment (%)</a:t>
             </a:r>
             <a:endParaRPr lang="pt-PT" sz="3200" dirty="0"/>
           </a:p>
@@ -5347,13 +5049,6 @@
   <p:clrMapOvr>
     <a:masterClrMapping/>
   </p:clrMapOvr>
-  <p:timing>
-    <p:tnLst>
-      <p:par>
-        <p:cTn id="1" dur="indefinite" restart="never" nodeType="tmRoot"/>
-      </p:par>
-    </p:tnLst>
-  </p:timing>
 </p:sld>
 </file>
 
@@ -5409,10 +5104,9 @@
           <a:lstStyle/>
           <a:p>
             <a:r>
-              <a:rPr lang="pt-PT" sz="16600" dirty="0" smtClean="0"/>
+              <a:rPr lang="pt-PT" sz="16600" dirty="0"/>
               <a:t>04</a:t>
             </a:r>
-            <a:endParaRPr lang="pt-PT" sz="16600" dirty="0"/>
           </a:p>
         </p:txBody>
       </p:sp>
@@ -5445,14 +5139,13 @@
           <a:p>
             <a:pPr marL="0" algn="r"/>
             <a:r>
-              <a:rPr lang="pt-PT" sz="6000" dirty="0" err="1" smtClean="0"/>
+              <a:rPr lang="pt-PT" sz="6000" dirty="0" err="1"/>
               <a:t>Example</a:t>
             </a:r>
             <a:r>
-              <a:rPr lang="pt-PT" sz="6000" dirty="0" smtClean="0"/>
+              <a:rPr lang="pt-PT" sz="6000" dirty="0"/>
               <a:t> QUESTIONS</a:t>
             </a:r>
-            <a:endParaRPr lang="pt-PT" sz="6000" dirty="0"/>
           </a:p>
         </p:txBody>
       </p:sp>
@@ -5466,13 +5159,6 @@
   <p:clrMapOvr>
     <a:masterClrMapping/>
   </p:clrMapOvr>
-  <p:timing>
-    <p:tnLst>
-      <p:par>
-        <p:cTn id="1" dur="indefinite" restart="never" nodeType="tmRoot"/>
-      </p:par>
-    </p:tnLst>
-  </p:timing>
 </p:sld>
 </file>
 
